--- a/MSCommunity_Uvod_u_MonoGame.pptx
+++ b/MSCommunity_Uvod_u_MonoGame.pptx
@@ -6,22 +6,25 @@
     <p:sldMasterId id="2147483756" r:id="rId6"/>
   </p:sldMasterIdLst>
   <p:notesMasterIdLst>
-    <p:notesMasterId r:id="rId17"/>
+    <p:notesMasterId r:id="rId20"/>
   </p:notesMasterIdLst>
   <p:handoutMasterIdLst>
-    <p:handoutMasterId r:id="rId18"/>
+    <p:handoutMasterId r:id="rId21"/>
   </p:handoutMasterIdLst>
   <p:sldIdLst>
     <p:sldId id="331" r:id="rId7"/>
     <p:sldId id="388" r:id="rId8"/>
     <p:sldId id="391" r:id="rId9"/>
     <p:sldId id="392" r:id="rId10"/>
-    <p:sldId id="393" r:id="rId11"/>
-    <p:sldId id="390" r:id="rId12"/>
-    <p:sldId id="394" r:id="rId13"/>
-    <p:sldId id="395" r:id="rId14"/>
-    <p:sldId id="397" r:id="rId15"/>
-    <p:sldId id="378" r:id="rId16"/>
+    <p:sldId id="394" r:id="rId11"/>
+    <p:sldId id="395" r:id="rId12"/>
+    <p:sldId id="393" r:id="rId13"/>
+    <p:sldId id="400" r:id="rId14"/>
+    <p:sldId id="401" r:id="rId15"/>
+    <p:sldId id="390" r:id="rId16"/>
+    <p:sldId id="399" r:id="rId17"/>
+    <p:sldId id="397" r:id="rId18"/>
+    <p:sldId id="378" r:id="rId19"/>
   </p:sldIdLst>
   <p:sldSz cx="12188825" cy="6858000"/>
   <p:notesSz cx="6858000" cy="9144000"/>
@@ -129,14 +132,17 @@
             <p14:sldId id="388"/>
             <p14:sldId id="391"/>
             <p14:sldId id="392"/>
+            <p14:sldId id="394"/>
           </p14:sldIdLst>
         </p14:section>
         <p14:section name="Untitled Section" id="{089A80C1-4395-447C-A8C6-0B8FF8115281}">
           <p14:sldIdLst>
+            <p14:sldId id="395"/>
             <p14:sldId id="393"/>
+            <p14:sldId id="400"/>
+            <p14:sldId id="401"/>
             <p14:sldId id="390"/>
-            <p14:sldId id="394"/>
-            <p14:sldId id="395"/>
+            <p14:sldId id="399"/>
             <p14:sldId id="397"/>
             <p14:sldId id="378"/>
           </p14:sldIdLst>
@@ -336,7 +342,7 @@
                 <a:latin typeface="Segoe UI" pitchFamily="34" charset="0"/>
               </a:rPr>
               <a:pPr/>
-              <a:t>4/3/2018</a:t>
+              <a:t>4/10/2018</a:t>
             </a:fld>
             <a:endParaRPr lang="en-US" dirty="0">
               <a:latin typeface="Segoe UI" pitchFamily="34" charset="0"/>
@@ -623,7 +629,7 @@
             <a:fld id="{7C3FBCD4-166E-446F-AF18-7D4A0CF9AEF6}" type="datetimeFigureOut">
               <a:rPr lang="en-US" smtClean="0"/>
               <a:pPr/>
-              <a:t>4/3/2018</a:t>
+              <a:t>4/10/2018</a:t>
             </a:fld>
             <a:endParaRPr lang="en-US" dirty="0"/>
           </a:p>
@@ -1178,7 +1184,7 @@
             <a:fld id="{81331B57-0BE5-4F82-AA58-76F53EFF3ADA}" type="datetime8">
               <a:rPr lang="en-US" smtClean="0"/>
               <a:pPr/>
-              <a:t>4/3/2018 8:16 AM</a:t>
+              <a:t>4/10/2018 10:22 PM</a:t>
             </a:fld>
             <a:endParaRPr lang="en-US"/>
           </a:p>
@@ -1202,7 +1208,7 @@
             <a:fld id="{EC87E0CF-87F6-4B58-B8B8-DCAB2DAAF3CA}" type="slidenum">
               <a:rPr lang="en-US" smtClean="0"/>
               <a:pPr/>
-              <a:t>10</a:t>
+              <a:t>13</a:t>
             </a:fld>
             <a:endParaRPr lang="en-US" dirty="0"/>
           </a:p>
@@ -4750,6 +4756,551 @@
 </file>
 
 <file path=ppt/slides/slide10.xml><?xml version="1.0" encoding="utf-8"?>
+<p:sld xmlns:a="http://schemas.openxmlformats.org/drawingml/2006/main" xmlns:r="http://schemas.openxmlformats.org/officeDocument/2006/relationships" xmlns:p="http://schemas.openxmlformats.org/presentationml/2006/main" show="0">
+  <p:cSld>
+    <p:spTree>
+      <p:nvGrpSpPr>
+        <p:cNvPr id="1" name=""/>
+        <p:cNvGrpSpPr/>
+        <p:nvPr/>
+      </p:nvGrpSpPr>
+      <p:grpSpPr>
+        <a:xfrm>
+          <a:off x="0" y="0"/>
+          <a:ext cx="0" cy="0"/>
+          <a:chOff x="0" y="0"/>
+          <a:chExt cx="0" cy="0"/>
+        </a:xfrm>
+      </p:grpSpPr>
+      <p:sp>
+        <p:nvSpPr>
+          <p:cNvPr id="2" name="Title 1"/>
+          <p:cNvSpPr>
+            <a:spLocks noGrp="1"/>
+          </p:cNvSpPr>
+          <p:nvPr>
+            <p:ph type="title"/>
+          </p:nvPr>
+        </p:nvSpPr>
+        <p:spPr>
+          <a:xfrm>
+            <a:off x="519112" y="228600"/>
+            <a:ext cx="11149013" cy="1495794"/>
+          </a:xfrm>
+        </p:spPr>
+        <p:txBody>
+          <a:bodyPr/>
+          <a:lstStyle/>
+          <a:p>
+            <a:r>
+              <a:rPr lang="hr-HR" spc="-100" dirty="0">
+                <a:solidFill>
+                  <a:srgbClr val="E84B14"/>
+                </a:solidFill>
+                <a:latin typeface="+mj-lt"/>
+              </a:rPr>
+              <a:t>Update Loop - Tips</a:t>
+            </a:r>
+            <a:br>
+              <a:rPr lang="hr-HR" spc="-100" dirty="0">
+                <a:solidFill>
+                  <a:srgbClr val="E84B14"/>
+                </a:solidFill>
+                <a:latin typeface="+mj-lt"/>
+              </a:rPr>
+            </a:br>
+            <a:endParaRPr lang="en-US" spc="-100" dirty="0">
+              <a:solidFill>
+                <a:srgbClr val="E84B14"/>
+              </a:solidFill>
+              <a:latin typeface="+mj-lt"/>
+            </a:endParaRPr>
+          </a:p>
+        </p:txBody>
+      </p:sp>
+      <p:sp>
+        <p:nvSpPr>
+          <p:cNvPr id="5" name="Text Placeholder 2"/>
+          <p:cNvSpPr>
+            <a:spLocks noGrp="1"/>
+          </p:cNvSpPr>
+          <p:nvPr>
+            <p:ph idx="1"/>
+          </p:nvPr>
+        </p:nvSpPr>
+        <p:spPr>
+          <a:xfrm>
+            <a:off x="519112" y="1447799"/>
+            <a:ext cx="11149013" cy="3600986"/>
+          </a:xfrm>
+        </p:spPr>
+        <p:txBody>
+          <a:bodyPr/>
+          <a:lstStyle/>
+          <a:p>
+            <a:pPr lvl="1"/>
+            <a:r>
+              <a:rPr lang="hr-HR" dirty="0"/>
+              <a:t>Bitno je operacije koje su vezane uz kretanje množiti s vremenom</a:t>
+            </a:r>
+          </a:p>
+          <a:p>
+            <a:pPr marL="346075" lvl="1" indent="0">
+              <a:buNone/>
+            </a:pPr>
+            <a:r>
+              <a:rPr lang="hr-HR" dirty="0"/>
+              <a:t>	koje je proteklo od prošlog frame-a. Što se dobije kroz gameTime parametar.</a:t>
+            </a:r>
+          </a:p>
+          <a:p>
+            <a:pPr marL="346075" lvl="1" indent="0">
+              <a:buNone/>
+            </a:pPr>
+            <a:r>
+              <a:rPr lang="hr-HR" dirty="0"/>
+              <a:t>    Problem je u tome što igra može ići pre</a:t>
+            </a:r>
+          </a:p>
+          <a:p>
+            <a:pPr marL="346075" lvl="1" indent="0">
+              <a:buNone/>
+            </a:pPr>
+            <a:endParaRPr lang="hr-HR" dirty="0"/>
+          </a:p>
+          <a:p>
+            <a:pPr lvl="1"/>
+            <a:r>
+              <a:rPr lang="hr-HR" dirty="0"/>
+              <a:t>Paziti kako se kreiraju instance novih objekata. Ne želite kreirati ogroman broj instanci svaki frame</a:t>
+            </a:r>
+          </a:p>
+          <a:p>
+            <a:pPr marL="346075" lvl="1" indent="0">
+              <a:buNone/>
+            </a:pPr>
+            <a:endParaRPr lang="hr-HR" dirty="0"/>
+          </a:p>
+          <a:p>
+            <a:pPr lvl="1"/>
+            <a:r>
+              <a:rPr lang="hr-HR" dirty="0"/>
+              <a:t>Bolje je koristi for loop, umjesto foreach loopa ukoliko GetEnumerator ne vraća struct</a:t>
+            </a:r>
+          </a:p>
+          <a:p>
+            <a:pPr marL="346075" lvl="1" indent="0">
+              <a:buNone/>
+            </a:pPr>
+            <a:endParaRPr lang="hr-HR" dirty="0"/>
+          </a:p>
+          <a:p>
+            <a:pPr marL="346075" lvl="1" indent="0">
+              <a:buNone/>
+            </a:pPr>
+            <a:endParaRPr lang="hr-HR" dirty="0"/>
+          </a:p>
+          <a:p>
+            <a:pPr marL="346075" lvl="1" indent="0">
+              <a:buNone/>
+            </a:pPr>
+            <a:endParaRPr lang="hr-HR" dirty="0"/>
+          </a:p>
+        </p:txBody>
+      </p:sp>
+    </p:spTree>
+    <p:extLst>
+      <p:ext uri="{BB962C8B-B14F-4D97-AF65-F5344CB8AC3E}">
+        <p14:creationId xmlns:p14="http://schemas.microsoft.com/office/powerpoint/2010/main" val="1377320344"/>
+      </p:ext>
+    </p:extLst>
+  </p:cSld>
+  <p:clrMapOvr>
+    <a:masterClrMapping/>
+  </p:clrMapOvr>
+  <mc:AlternateContent xmlns:mc="http://schemas.openxmlformats.org/markup-compatibility/2006" xmlns:p14="http://schemas.microsoft.com/office/powerpoint/2010/main">
+    <mc:Choice Requires="p14">
+      <p:transition spd="slow" p14:dur="1500">
+        <p:push/>
+      </p:transition>
+    </mc:Choice>
+    <mc:Fallback xmlns="">
+      <p:transition spd="slow">
+        <p:push/>
+      </p:transition>
+    </mc:Fallback>
+  </mc:AlternateContent>
+</p:sld>
+</file>
+
+<file path=ppt/slides/slide11.xml><?xml version="1.0" encoding="utf-8"?>
+<p:sld xmlns:a="http://schemas.openxmlformats.org/drawingml/2006/main" xmlns:r="http://schemas.openxmlformats.org/officeDocument/2006/relationships" xmlns:p="http://schemas.openxmlformats.org/presentationml/2006/main" show="0">
+  <p:cSld>
+    <p:spTree>
+      <p:nvGrpSpPr>
+        <p:cNvPr id="1" name=""/>
+        <p:cNvGrpSpPr/>
+        <p:nvPr/>
+      </p:nvGrpSpPr>
+      <p:grpSpPr>
+        <a:xfrm>
+          <a:off x="0" y="0"/>
+          <a:ext cx="0" cy="0"/>
+          <a:chOff x="0" y="0"/>
+          <a:chExt cx="0" cy="0"/>
+        </a:xfrm>
+      </p:grpSpPr>
+      <p:sp>
+        <p:nvSpPr>
+          <p:cNvPr id="2" name="Title 1"/>
+          <p:cNvSpPr>
+            <a:spLocks noGrp="1"/>
+          </p:cNvSpPr>
+          <p:nvPr>
+            <p:ph type="title"/>
+          </p:nvPr>
+        </p:nvSpPr>
+        <p:spPr>
+          <a:xfrm>
+            <a:off x="519112" y="228600"/>
+            <a:ext cx="11149013" cy="2991588"/>
+          </a:xfrm>
+        </p:spPr>
+        <p:txBody>
+          <a:bodyPr/>
+          <a:lstStyle/>
+          <a:p>
+            <a:r>
+              <a:rPr lang="hr-HR" spc="-100" dirty="0">
+                <a:solidFill>
+                  <a:srgbClr val="E84B14"/>
+                </a:solidFill>
+                <a:latin typeface="+mj-lt"/>
+              </a:rPr>
+              <a:t>MonoGame vs Unity</a:t>
+            </a:r>
+            <a:br>
+              <a:rPr lang="hr-HR" spc="-100" dirty="0">
+                <a:solidFill>
+                  <a:srgbClr val="E84B14"/>
+                </a:solidFill>
+                <a:latin typeface="+mj-lt"/>
+              </a:rPr>
+            </a:br>
+            <a:br>
+              <a:rPr lang="hr-HR" spc="-100" dirty="0">
+                <a:solidFill>
+                  <a:srgbClr val="E84B14"/>
+                </a:solidFill>
+                <a:latin typeface="+mj-lt"/>
+              </a:rPr>
+            </a:br>
+            <a:br>
+              <a:rPr lang="hr-HR" spc="-100" dirty="0">
+                <a:solidFill>
+                  <a:srgbClr val="E84B14"/>
+                </a:solidFill>
+                <a:latin typeface="+mj-lt"/>
+              </a:rPr>
+            </a:br>
+            <a:endParaRPr lang="en-US" spc="-100" dirty="0">
+              <a:solidFill>
+                <a:srgbClr val="E84B14"/>
+              </a:solidFill>
+              <a:latin typeface="+mj-lt"/>
+            </a:endParaRPr>
+          </a:p>
+        </p:txBody>
+      </p:sp>
+      <p:sp>
+        <p:nvSpPr>
+          <p:cNvPr id="5" name="Text Placeholder 2"/>
+          <p:cNvSpPr>
+            <a:spLocks noGrp="1"/>
+          </p:cNvSpPr>
+          <p:nvPr>
+            <p:ph idx="1"/>
+          </p:nvPr>
+        </p:nvSpPr>
+        <p:spPr>
+          <a:xfrm>
+            <a:off x="519112" y="1447799"/>
+            <a:ext cx="11149013" cy="2308324"/>
+          </a:xfrm>
+        </p:spPr>
+        <p:txBody>
+          <a:bodyPr/>
+          <a:lstStyle/>
+          <a:p>
+            <a:pPr marL="346075" lvl="1" indent="0">
+              <a:buNone/>
+            </a:pPr>
+            <a:endParaRPr lang="hr-HR" dirty="0"/>
+          </a:p>
+          <a:p>
+            <a:pPr marL="346075" lvl="1" indent="0">
+              <a:buNone/>
+            </a:pPr>
+            <a:endParaRPr lang="hr-HR" dirty="0"/>
+          </a:p>
+          <a:p>
+            <a:pPr marL="346075" lvl="1" indent="0">
+              <a:buNone/>
+            </a:pPr>
+            <a:endParaRPr lang="hr-HR" dirty="0"/>
+          </a:p>
+          <a:p>
+            <a:pPr lvl="1"/>
+            <a:r>
+              <a:rPr lang="hr-HR" dirty="0"/>
+              <a:t>Bolje je koristi for loop, umjesto foreach loopa ukoliko GetEnumerator ne vraća struct</a:t>
+            </a:r>
+          </a:p>
+          <a:p>
+            <a:pPr marL="346075" lvl="1" indent="0">
+              <a:buNone/>
+            </a:pPr>
+            <a:endParaRPr lang="hr-HR" dirty="0"/>
+          </a:p>
+          <a:p>
+            <a:pPr marL="346075" lvl="1" indent="0">
+              <a:buNone/>
+            </a:pPr>
+            <a:endParaRPr lang="hr-HR" dirty="0"/>
+          </a:p>
+          <a:p>
+            <a:pPr marL="346075" lvl="1" indent="0">
+              <a:buNone/>
+            </a:pPr>
+            <a:endParaRPr lang="hr-HR" dirty="0"/>
+          </a:p>
+        </p:txBody>
+      </p:sp>
+    </p:spTree>
+    <p:extLst>
+      <p:ext uri="{BB962C8B-B14F-4D97-AF65-F5344CB8AC3E}">
+        <p14:creationId xmlns:p14="http://schemas.microsoft.com/office/powerpoint/2010/main" val="820004164"/>
+      </p:ext>
+    </p:extLst>
+  </p:cSld>
+  <p:clrMapOvr>
+    <a:masterClrMapping/>
+  </p:clrMapOvr>
+  <mc:AlternateContent xmlns:mc="http://schemas.openxmlformats.org/markup-compatibility/2006" xmlns:p14="http://schemas.microsoft.com/office/powerpoint/2010/main">
+    <mc:Choice Requires="p14">
+      <p:transition spd="slow" p14:dur="1500">
+        <p:push/>
+      </p:transition>
+    </mc:Choice>
+    <mc:Fallback xmlns="">
+      <p:transition spd="slow">
+        <p:push/>
+      </p:transition>
+    </mc:Fallback>
+  </mc:AlternateContent>
+</p:sld>
+</file>
+
+<file path=ppt/slides/slide12.xml><?xml version="1.0" encoding="utf-8"?>
+<p:sld xmlns:a="http://schemas.openxmlformats.org/drawingml/2006/main" xmlns:r="http://schemas.openxmlformats.org/officeDocument/2006/relationships" xmlns:p="http://schemas.openxmlformats.org/presentationml/2006/main" show="0">
+  <p:cSld>
+    <p:spTree>
+      <p:nvGrpSpPr>
+        <p:cNvPr id="1" name=""/>
+        <p:cNvGrpSpPr/>
+        <p:nvPr/>
+      </p:nvGrpSpPr>
+      <p:grpSpPr>
+        <a:xfrm>
+          <a:off x="0" y="0"/>
+          <a:ext cx="0" cy="0"/>
+          <a:chOff x="0" y="0"/>
+          <a:chExt cx="0" cy="0"/>
+        </a:xfrm>
+      </p:grpSpPr>
+      <p:sp>
+        <p:nvSpPr>
+          <p:cNvPr id="2" name="Title 1"/>
+          <p:cNvSpPr>
+            <a:spLocks noGrp="1"/>
+          </p:cNvSpPr>
+          <p:nvPr>
+            <p:ph type="title"/>
+          </p:nvPr>
+        </p:nvSpPr>
+        <p:spPr>
+          <a:xfrm>
+            <a:off x="519112" y="228600"/>
+            <a:ext cx="11149013" cy="1495794"/>
+          </a:xfrm>
+        </p:spPr>
+        <p:txBody>
+          <a:bodyPr/>
+          <a:lstStyle/>
+          <a:p>
+            <a:r>
+              <a:rPr lang="hr-HR" spc="-100" dirty="0">
+                <a:solidFill>
+                  <a:srgbClr val="E84B14"/>
+                </a:solidFill>
+                <a:latin typeface="+mj-lt"/>
+              </a:rPr>
+              <a:t>Resursi</a:t>
+            </a:r>
+            <a:br>
+              <a:rPr lang="hr-HR" spc="-100" dirty="0">
+                <a:solidFill>
+                  <a:srgbClr val="E84B14"/>
+                </a:solidFill>
+                <a:latin typeface="+mj-lt"/>
+              </a:rPr>
+            </a:br>
+            <a:endParaRPr lang="en-US" spc="-100" dirty="0">
+              <a:solidFill>
+                <a:srgbClr val="E84B14"/>
+              </a:solidFill>
+              <a:latin typeface="+mj-lt"/>
+            </a:endParaRPr>
+          </a:p>
+        </p:txBody>
+      </p:sp>
+      <p:sp>
+        <p:nvSpPr>
+          <p:cNvPr id="5" name="Text Placeholder 2"/>
+          <p:cNvSpPr>
+            <a:spLocks noGrp="1"/>
+          </p:cNvSpPr>
+          <p:nvPr>
+            <p:ph idx="1"/>
+          </p:nvPr>
+        </p:nvSpPr>
+        <p:spPr>
+          <a:xfrm>
+            <a:off x="519112" y="1447799"/>
+            <a:ext cx="11149013" cy="2985433"/>
+          </a:xfrm>
+        </p:spPr>
+        <p:txBody>
+          <a:bodyPr/>
+          <a:lstStyle/>
+          <a:p>
+            <a:pPr marL="346075" lvl="1" indent="0">
+              <a:buNone/>
+            </a:pPr>
+            <a:endParaRPr lang="hr-HR" dirty="0"/>
+          </a:p>
+          <a:p>
+            <a:pPr marL="346075" lvl="1" indent="0">
+              <a:buNone/>
+            </a:pPr>
+            <a:r>
+              <a:rPr lang="hr-HR" dirty="0">
+                <a:hlinkClick r:id="rId2"/>
+              </a:rPr>
+              <a:t>http://www.monogame.net/	</a:t>
+            </a:r>
+            <a:endParaRPr lang="hr-HR" dirty="0"/>
+          </a:p>
+          <a:p>
+            <a:pPr marL="346075" lvl="1" indent="0">
+              <a:buNone/>
+            </a:pPr>
+            <a:r>
+              <a:rPr lang="hr-HR" dirty="0">
+                <a:hlinkClick r:id="rId3"/>
+              </a:rPr>
+              <a:t>http://rbwhitaker.wikidot.com/</a:t>
+            </a:r>
+            <a:endParaRPr lang="hr-HR" dirty="0"/>
+          </a:p>
+          <a:p>
+            <a:pPr marL="346075" lvl="1" indent="0">
+              <a:buNone/>
+            </a:pPr>
+            <a:r>
+              <a:rPr lang="hr-HR" dirty="0">
+                <a:hlinkClick r:id="rId4"/>
+              </a:rPr>
+              <a:t>http://xnadevelopment.com/tutorials.shtml</a:t>
+            </a:r>
+            <a:endParaRPr lang="hr-HR" dirty="0"/>
+          </a:p>
+          <a:p>
+            <a:pPr marL="346075" lvl="1" indent="0">
+              <a:buNone/>
+            </a:pPr>
+            <a:r>
+              <a:rPr lang="hr-HR" dirty="0">
+                <a:hlinkClick r:id="rId5"/>
+              </a:rPr>
+              <a:t>http://gameprogrammingpatterns.com/</a:t>
+            </a:r>
+            <a:endParaRPr lang="hr-HR" dirty="0"/>
+          </a:p>
+          <a:p>
+            <a:pPr marL="346075" lvl="1" indent="0">
+              <a:buNone/>
+            </a:pPr>
+            <a:r>
+              <a:rPr lang="hr-HR" dirty="0">
+                <a:hlinkClick r:id="rId6"/>
+              </a:rPr>
+              <a:t>https://www.youtube.com/user/CodingMadeEasy</a:t>
+            </a:r>
+            <a:endParaRPr lang="hr-HR" dirty="0"/>
+          </a:p>
+          <a:p>
+            <a:pPr marL="346075" lvl="1" indent="0">
+              <a:buNone/>
+            </a:pPr>
+            <a:endParaRPr lang="hr-HR" dirty="0"/>
+          </a:p>
+          <a:p>
+            <a:pPr marL="346075" lvl="1" indent="0">
+              <a:buNone/>
+            </a:pPr>
+            <a:r>
+              <a:rPr lang="hr-HR" dirty="0"/>
+              <a:t>Kurt Jaegers : XNA 4.0 Game Development</a:t>
+            </a:r>
+          </a:p>
+          <a:p>
+            <a:pPr marL="346075" lvl="1" indent="0">
+              <a:buNone/>
+            </a:pPr>
+            <a:r>
+              <a:rPr lang="hr-HR" dirty="0"/>
+              <a:t>Adam Dawes : Windows 8 and Windows Phone 8 Game Development</a:t>
+            </a:r>
+          </a:p>
+        </p:txBody>
+      </p:sp>
+    </p:spTree>
+    <p:extLst>
+      <p:ext uri="{BB962C8B-B14F-4D97-AF65-F5344CB8AC3E}">
+        <p14:creationId xmlns:p14="http://schemas.microsoft.com/office/powerpoint/2010/main" val="1386930925"/>
+      </p:ext>
+    </p:extLst>
+  </p:cSld>
+  <p:clrMapOvr>
+    <a:masterClrMapping/>
+  </p:clrMapOvr>
+  <mc:AlternateContent xmlns:mc="http://schemas.openxmlformats.org/markup-compatibility/2006" xmlns:p14="http://schemas.microsoft.com/office/powerpoint/2010/main">
+    <mc:Choice Requires="p14">
+      <p:transition spd="slow" p14:dur="1500">
+        <p:push/>
+      </p:transition>
+    </mc:Choice>
+    <mc:Fallback xmlns="">
+      <p:transition spd="slow">
+        <p:push/>
+      </p:transition>
+    </mc:Fallback>
+  </mc:AlternateContent>
+</p:sld>
+</file>
+
+<file path=ppt/slides/slide13.xml><?xml version="1.0" encoding="utf-8"?>
 <p:sld xmlns:a="http://schemas.openxmlformats.org/drawingml/2006/main" xmlns:r="http://schemas.openxmlformats.org/officeDocument/2006/relationships" xmlns:p="http://schemas.openxmlformats.org/presentationml/2006/main">
   <p:cSld>
     <p:spTree>
@@ -5400,6 +5951,355 @@
 </file>
 
 <file path=ppt/slides/slide5.xml><?xml version="1.0" encoding="utf-8"?>
+<p:sld xmlns:a="http://schemas.openxmlformats.org/drawingml/2006/main" xmlns:r="http://schemas.openxmlformats.org/officeDocument/2006/relationships" xmlns:p="http://schemas.openxmlformats.org/presentationml/2006/main" show="0">
+  <p:cSld>
+    <p:spTree>
+      <p:nvGrpSpPr>
+        <p:cNvPr id="1" name=""/>
+        <p:cNvGrpSpPr/>
+        <p:nvPr/>
+      </p:nvGrpSpPr>
+      <p:grpSpPr>
+        <a:xfrm>
+          <a:off x="0" y="0"/>
+          <a:ext cx="0" cy="0"/>
+          <a:chOff x="0" y="0"/>
+          <a:chExt cx="0" cy="0"/>
+        </a:xfrm>
+      </p:grpSpPr>
+      <p:sp>
+        <p:nvSpPr>
+          <p:cNvPr id="2" name="Title 1"/>
+          <p:cNvSpPr>
+            <a:spLocks noGrp="1"/>
+          </p:cNvSpPr>
+          <p:nvPr>
+            <p:ph type="title"/>
+          </p:nvPr>
+        </p:nvSpPr>
+        <p:spPr>
+          <a:xfrm>
+            <a:off x="519112" y="228600"/>
+            <a:ext cx="11149013" cy="1495794"/>
+          </a:xfrm>
+        </p:spPr>
+        <p:txBody>
+          <a:bodyPr/>
+          <a:lstStyle/>
+          <a:p>
+            <a:r>
+              <a:rPr lang="hr-HR" spc="-100" dirty="0">
+                <a:solidFill>
+                  <a:srgbClr val="E84B14"/>
+                </a:solidFill>
+                <a:latin typeface="+mj-lt"/>
+              </a:rPr>
+              <a:t>Draw Loop – 2d koordinatni sustav</a:t>
+            </a:r>
+            <a:br>
+              <a:rPr lang="hr-HR" spc="-100" dirty="0">
+                <a:solidFill>
+                  <a:srgbClr val="E84B14"/>
+                </a:solidFill>
+                <a:latin typeface="+mj-lt"/>
+              </a:rPr>
+            </a:br>
+            <a:endParaRPr lang="en-US" spc="-100" dirty="0">
+              <a:solidFill>
+                <a:srgbClr val="E84B14"/>
+              </a:solidFill>
+              <a:latin typeface="+mj-lt"/>
+            </a:endParaRPr>
+          </a:p>
+        </p:txBody>
+      </p:sp>
+      <p:sp>
+        <p:nvSpPr>
+          <p:cNvPr id="5" name="Text Placeholder 2"/>
+          <p:cNvSpPr>
+            <a:spLocks noGrp="1"/>
+          </p:cNvSpPr>
+          <p:nvPr>
+            <p:ph idx="1"/>
+          </p:nvPr>
+        </p:nvSpPr>
+        <p:spPr>
+          <a:xfrm>
+            <a:off x="519112" y="1447799"/>
+            <a:ext cx="11149013" cy="892552"/>
+          </a:xfrm>
+        </p:spPr>
+        <p:txBody>
+          <a:bodyPr/>
+          <a:lstStyle/>
+          <a:p>
+            <a:pPr lvl="1"/>
+            <a:r>
+              <a:rPr lang="hr-HR" dirty="0"/>
+              <a:t>Za 2d prikaz, najbolje je koristiti spritebatch klasu i zapravo raditi sprite-ove, gdje je koordinatni sustav u formatu </a:t>
+            </a:r>
+          </a:p>
+          <a:p>
+            <a:pPr marL="346075" lvl="1" indent="0">
+              <a:buNone/>
+            </a:pPr>
+            <a:endParaRPr lang="hr-HR" dirty="0"/>
+          </a:p>
+        </p:txBody>
+      </p:sp>
+      <p:pic>
+        <p:nvPicPr>
+          <p:cNvPr id="4" name="Picture 3">
+            <a:hlinkClick r:id="rId2"/>
+            <a:extLst>
+              <a:ext uri="{FF2B5EF4-FFF2-40B4-BE49-F238E27FC236}">
+                <a16:creationId xmlns:a16="http://schemas.microsoft.com/office/drawing/2014/main" id="{EA20D271-EDF6-4F65-ADA9-CD9244DAD37D}"/>
+              </a:ext>
+            </a:extLst>
+          </p:cNvPr>
+          <p:cNvPicPr>
+            <a:picLocks noChangeAspect="1"/>
+          </p:cNvPicPr>
+          <p:nvPr/>
+        </p:nvPicPr>
+        <p:blipFill>
+          <a:blip r:embed="rId3"/>
+          <a:stretch>
+            <a:fillRect/>
+          </a:stretch>
+        </p:blipFill>
+        <p:spPr>
+          <a:xfrm>
+            <a:off x="1115734" y="2340351"/>
+            <a:ext cx="7479626" cy="3929390"/>
+          </a:xfrm>
+          <a:prstGeom prst="rect">
+            <a:avLst/>
+          </a:prstGeom>
+        </p:spPr>
+      </p:pic>
+    </p:spTree>
+    <p:extLst>
+      <p:ext uri="{BB962C8B-B14F-4D97-AF65-F5344CB8AC3E}">
+        <p14:creationId xmlns:p14="http://schemas.microsoft.com/office/powerpoint/2010/main" val="2953480019"/>
+      </p:ext>
+    </p:extLst>
+  </p:cSld>
+  <p:clrMapOvr>
+    <a:masterClrMapping/>
+  </p:clrMapOvr>
+  <mc:AlternateContent xmlns:mc="http://schemas.openxmlformats.org/markup-compatibility/2006" xmlns:p14="http://schemas.microsoft.com/office/powerpoint/2010/main">
+    <mc:Choice Requires="p14">
+      <p:transition spd="slow" p14:dur="1500">
+        <p:push/>
+      </p:transition>
+    </mc:Choice>
+    <mc:Fallback xmlns="">
+      <p:transition spd="slow">
+        <p:push/>
+      </p:transition>
+    </mc:Fallback>
+  </mc:AlternateContent>
+</p:sld>
+</file>
+
+<file path=ppt/slides/slide6.xml><?xml version="1.0" encoding="utf-8"?>
+<p:sld xmlns:a="http://schemas.openxmlformats.org/drawingml/2006/main" xmlns:r="http://schemas.openxmlformats.org/officeDocument/2006/relationships" xmlns:p="http://schemas.openxmlformats.org/presentationml/2006/main" show="0">
+  <p:cSld>
+    <p:spTree>
+      <p:nvGrpSpPr>
+        <p:cNvPr id="1" name=""/>
+        <p:cNvGrpSpPr/>
+        <p:nvPr/>
+      </p:nvGrpSpPr>
+      <p:grpSpPr>
+        <a:xfrm>
+          <a:off x="0" y="0"/>
+          <a:ext cx="0" cy="0"/>
+          <a:chOff x="0" y="0"/>
+          <a:chExt cx="0" cy="0"/>
+        </a:xfrm>
+      </p:grpSpPr>
+      <p:sp>
+        <p:nvSpPr>
+          <p:cNvPr id="2" name="Title 1"/>
+          <p:cNvSpPr>
+            <a:spLocks noGrp="1"/>
+          </p:cNvSpPr>
+          <p:nvPr>
+            <p:ph type="title"/>
+          </p:nvPr>
+        </p:nvSpPr>
+        <p:spPr>
+          <a:xfrm>
+            <a:off x="519112" y="228600"/>
+            <a:ext cx="11149013" cy="1495794"/>
+          </a:xfrm>
+        </p:spPr>
+        <p:txBody>
+          <a:bodyPr/>
+          <a:lstStyle/>
+          <a:p>
+            <a:r>
+              <a:rPr lang="hr-HR" spc="-100" dirty="0">
+                <a:solidFill>
+                  <a:srgbClr val="E84B14"/>
+                </a:solidFill>
+                <a:latin typeface="+mj-lt"/>
+              </a:rPr>
+              <a:t>Draw Loop </a:t>
+            </a:r>
+            <a:r>
+              <a:rPr lang="hr-HR" spc="-100">
+                <a:solidFill>
+                  <a:srgbClr val="E84B14"/>
+                </a:solidFill>
+                <a:latin typeface="+mj-lt"/>
+              </a:rPr>
+              <a:t>– </a:t>
+            </a:r>
+            <a:r>
+              <a:rPr lang="hr-HR">
+                <a:solidFill>
+                  <a:srgbClr val="E84B14"/>
+                </a:solidFill>
+              </a:rPr>
+              <a:t> </a:t>
+            </a:r>
+            <a:r>
+              <a:rPr lang="hr-HR" dirty="0">
+                <a:solidFill>
+                  <a:srgbClr val="E84B14"/>
+                </a:solidFill>
+              </a:rPr>
+              <a:t>3</a:t>
+            </a:r>
+            <a:r>
+              <a:rPr lang="hr-HR">
+                <a:solidFill>
+                  <a:srgbClr val="E84B14"/>
+                </a:solidFill>
+              </a:rPr>
+              <a:t>d </a:t>
+            </a:r>
+            <a:r>
+              <a:rPr lang="hr-HR" dirty="0">
+                <a:solidFill>
+                  <a:srgbClr val="E84B14"/>
+                </a:solidFill>
+              </a:rPr>
+              <a:t>koordinatni sustav</a:t>
+            </a:r>
+            <a:br>
+              <a:rPr lang="hr-HR" spc="-100" dirty="0">
+                <a:solidFill>
+                  <a:srgbClr val="E84B14"/>
+                </a:solidFill>
+                <a:latin typeface="+mj-lt"/>
+              </a:rPr>
+            </a:br>
+            <a:endParaRPr lang="en-US" spc="-100" dirty="0">
+              <a:solidFill>
+                <a:srgbClr val="E84B14"/>
+              </a:solidFill>
+              <a:latin typeface="+mj-lt"/>
+            </a:endParaRPr>
+          </a:p>
+        </p:txBody>
+      </p:sp>
+      <p:sp>
+        <p:nvSpPr>
+          <p:cNvPr id="5" name="Text Placeholder 2"/>
+          <p:cNvSpPr>
+            <a:spLocks noGrp="1"/>
+          </p:cNvSpPr>
+          <p:nvPr>
+            <p:ph idx="1"/>
+          </p:nvPr>
+        </p:nvSpPr>
+        <p:spPr>
+          <a:xfrm>
+            <a:off x="519112" y="1447799"/>
+            <a:ext cx="11149013" cy="615553"/>
+          </a:xfrm>
+        </p:spPr>
+        <p:txBody>
+          <a:bodyPr/>
+          <a:lstStyle/>
+          <a:p>
+            <a:pPr marL="346075" lvl="1" indent="0">
+              <a:buNone/>
+            </a:pPr>
+            <a:r>
+              <a:rPr lang="hr-HR" dirty="0"/>
+              <a:t>	</a:t>
+            </a:r>
+          </a:p>
+          <a:p>
+            <a:pPr marL="346075" lvl="1" indent="0">
+              <a:buNone/>
+            </a:pPr>
+            <a:endParaRPr lang="hr-HR" dirty="0"/>
+          </a:p>
+        </p:txBody>
+      </p:sp>
+      <p:pic>
+        <p:nvPicPr>
+          <p:cNvPr id="6" name="Picture 5">
+            <a:hlinkClick r:id="rId2"/>
+            <a:extLst>
+              <a:ext uri="{FF2B5EF4-FFF2-40B4-BE49-F238E27FC236}">
+                <a16:creationId xmlns:a16="http://schemas.microsoft.com/office/drawing/2014/main" id="{1067120C-09EB-4606-8DBE-77F5F4641C5F}"/>
+              </a:ext>
+            </a:extLst>
+          </p:cNvPr>
+          <p:cNvPicPr>
+            <a:picLocks noChangeAspect="1"/>
+          </p:cNvPicPr>
+          <p:nvPr/>
+        </p:nvPicPr>
+        <p:blipFill>
+          <a:blip r:embed="rId3"/>
+          <a:stretch>
+            <a:fillRect/>
+          </a:stretch>
+        </p:blipFill>
+        <p:spPr>
+          <a:xfrm>
+            <a:off x="1228822" y="1447799"/>
+            <a:ext cx="4638675" cy="4638675"/>
+          </a:xfrm>
+          <a:prstGeom prst="rect">
+            <a:avLst/>
+          </a:prstGeom>
+        </p:spPr>
+      </p:pic>
+    </p:spTree>
+    <p:extLst>
+      <p:ext uri="{BB962C8B-B14F-4D97-AF65-F5344CB8AC3E}">
+        <p14:creationId xmlns:p14="http://schemas.microsoft.com/office/powerpoint/2010/main" val="3615534288"/>
+      </p:ext>
+    </p:extLst>
+  </p:cSld>
+  <p:clrMapOvr>
+    <a:masterClrMapping/>
+  </p:clrMapOvr>
+  <mc:AlternateContent xmlns:mc="http://schemas.openxmlformats.org/markup-compatibility/2006" xmlns:p14="http://schemas.microsoft.com/office/powerpoint/2010/main">
+    <mc:Choice Requires="p14">
+      <p:transition spd="slow" p14:dur="1500">
+        <p:push/>
+      </p:transition>
+    </mc:Choice>
+    <mc:Fallback xmlns="">
+      <p:transition spd="slow">
+        <p:push/>
+      </p:transition>
+    </mc:Fallback>
+  </mc:AlternateContent>
+</p:sld>
+</file>
+
+<file path=ppt/slides/slide7.xml><?xml version="1.0" encoding="utf-8"?>
 <p:sld xmlns:a="http://schemas.openxmlformats.org/drawingml/2006/main" xmlns:r="http://schemas.openxmlformats.org/officeDocument/2006/relationships" xmlns:p="http://schemas.openxmlformats.org/presentationml/2006/main" show="0">
   <p:cSld>
     <p:spTree>
@@ -5846,344 +6746,6 @@
 </p:sld>
 </file>
 
-<file path=ppt/slides/slide6.xml><?xml version="1.0" encoding="utf-8"?>
-<p:sld xmlns:a="http://schemas.openxmlformats.org/drawingml/2006/main" xmlns:r="http://schemas.openxmlformats.org/officeDocument/2006/relationships" xmlns:p="http://schemas.openxmlformats.org/presentationml/2006/main" show="0">
-  <p:cSld>
-    <p:spTree>
-      <p:nvGrpSpPr>
-        <p:cNvPr id="1" name=""/>
-        <p:cNvGrpSpPr/>
-        <p:nvPr/>
-      </p:nvGrpSpPr>
-      <p:grpSpPr>
-        <a:xfrm>
-          <a:off x="0" y="0"/>
-          <a:ext cx="0" cy="0"/>
-          <a:chOff x="0" y="0"/>
-          <a:chExt cx="0" cy="0"/>
-        </a:xfrm>
-      </p:grpSpPr>
-      <p:sp>
-        <p:nvSpPr>
-          <p:cNvPr id="2" name="Title 1"/>
-          <p:cNvSpPr>
-            <a:spLocks noGrp="1"/>
-          </p:cNvSpPr>
-          <p:nvPr>
-            <p:ph type="title"/>
-          </p:nvPr>
-        </p:nvSpPr>
-        <p:spPr>
-          <a:xfrm>
-            <a:off x="519112" y="228600"/>
-            <a:ext cx="11149013" cy="1495794"/>
-          </a:xfrm>
-        </p:spPr>
-        <p:txBody>
-          <a:bodyPr/>
-          <a:lstStyle/>
-          <a:p>
-            <a:r>
-              <a:rPr lang="hr-HR" spc="-100" dirty="0">
-                <a:solidFill>
-                  <a:srgbClr val="E84B14"/>
-                </a:solidFill>
-                <a:latin typeface="+mj-lt"/>
-              </a:rPr>
-              <a:t>Update Loop - Tips</a:t>
-            </a:r>
-            <a:br>
-              <a:rPr lang="hr-HR" spc="-100" dirty="0">
-                <a:solidFill>
-                  <a:srgbClr val="E84B14"/>
-                </a:solidFill>
-                <a:latin typeface="+mj-lt"/>
-              </a:rPr>
-            </a:br>
-            <a:endParaRPr lang="en-US" spc="-100" dirty="0">
-              <a:solidFill>
-                <a:srgbClr val="E84B14"/>
-              </a:solidFill>
-              <a:latin typeface="+mj-lt"/>
-            </a:endParaRPr>
-          </a:p>
-        </p:txBody>
-      </p:sp>
-      <p:sp>
-        <p:nvSpPr>
-          <p:cNvPr id="5" name="Text Placeholder 2"/>
-          <p:cNvSpPr>
-            <a:spLocks noGrp="1"/>
-          </p:cNvSpPr>
-          <p:nvPr>
-            <p:ph idx="1"/>
-          </p:nvPr>
-        </p:nvSpPr>
-        <p:spPr>
-          <a:xfrm>
-            <a:off x="519112" y="1447799"/>
-            <a:ext cx="11149013" cy="4216539"/>
-          </a:xfrm>
-        </p:spPr>
-        <p:txBody>
-          <a:bodyPr/>
-          <a:lstStyle/>
-          <a:p>
-            <a:pPr lvl="1"/>
-            <a:r>
-              <a:rPr lang="hr-HR" dirty="0"/>
-              <a:t>Bitno je operacije koje su vezane uz kretanje množiti s vremenom</a:t>
-            </a:r>
-          </a:p>
-          <a:p>
-            <a:pPr marL="346075" lvl="1" indent="0">
-              <a:buNone/>
-            </a:pPr>
-            <a:r>
-              <a:rPr lang="hr-HR" dirty="0"/>
-              <a:t>	koje je proteklo od prošlog frame-a. Što se dobije kroz gameTime parametar.</a:t>
-            </a:r>
-          </a:p>
-          <a:p>
-            <a:pPr marL="346075" lvl="1" indent="0">
-              <a:buNone/>
-            </a:pPr>
-            <a:r>
-              <a:rPr lang="hr-HR" dirty="0"/>
-              <a:t>    Problem je u tome što igra može ići pre</a:t>
-            </a:r>
-          </a:p>
-          <a:p>
-            <a:pPr marL="346075" lvl="1" indent="0">
-              <a:buNone/>
-            </a:pPr>
-            <a:endParaRPr lang="hr-HR" dirty="0"/>
-          </a:p>
-          <a:p>
-            <a:pPr lvl="1"/>
-            <a:r>
-              <a:rPr lang="hr-HR" dirty="0"/>
-              <a:t>Paziti kako se kreiraju instance novih objekata. Ne želite kreirati ogroman broj instanci svaki frame</a:t>
-            </a:r>
-          </a:p>
-          <a:p>
-            <a:pPr marL="346075" lvl="1" indent="0">
-              <a:buNone/>
-            </a:pPr>
-            <a:endParaRPr lang="hr-HR" dirty="0"/>
-          </a:p>
-          <a:p>
-            <a:pPr lvl="1"/>
-            <a:r>
-              <a:rPr lang="hr-HR" dirty="0"/>
-              <a:t>Bolje je koristi for loop, umjesto foreach loopa ukoliko GetEnumerator ne vraća struct</a:t>
-            </a:r>
-          </a:p>
-          <a:p>
-            <a:pPr marL="346075" lvl="1" indent="0">
-              <a:buNone/>
-            </a:pPr>
-            <a:endParaRPr lang="hr-HR" dirty="0"/>
-          </a:p>
-          <a:p>
-            <a:pPr lvl="1"/>
-            <a:r>
-              <a:rPr lang="hr-HR" dirty="0"/>
-              <a:t>Paziti kako se kreiraju instance novih objekata. Ne želite kreirati ogroman broj instanci svaki frame</a:t>
-            </a:r>
-          </a:p>
-          <a:p>
-            <a:pPr marL="346075" lvl="1" indent="0">
-              <a:buNone/>
-            </a:pPr>
-            <a:endParaRPr lang="hr-HR" dirty="0"/>
-          </a:p>
-          <a:p>
-            <a:pPr marL="346075" lvl="1" indent="0">
-              <a:buNone/>
-            </a:pPr>
-            <a:endParaRPr lang="hr-HR" dirty="0"/>
-          </a:p>
-        </p:txBody>
-      </p:sp>
-    </p:spTree>
-    <p:extLst>
-      <p:ext uri="{BB962C8B-B14F-4D97-AF65-F5344CB8AC3E}">
-        <p14:creationId xmlns:p14="http://schemas.microsoft.com/office/powerpoint/2010/main" val="1377320344"/>
-      </p:ext>
-    </p:extLst>
-  </p:cSld>
-  <p:clrMapOvr>
-    <a:masterClrMapping/>
-  </p:clrMapOvr>
-  <mc:AlternateContent xmlns:mc="http://schemas.openxmlformats.org/markup-compatibility/2006" xmlns:p14="http://schemas.microsoft.com/office/powerpoint/2010/main">
-    <mc:Choice Requires="p14">
-      <p:transition spd="slow" p14:dur="1500">
-        <p:push/>
-      </p:transition>
-    </mc:Choice>
-    <mc:Fallback xmlns="">
-      <p:transition spd="slow">
-        <p:push/>
-      </p:transition>
-    </mc:Fallback>
-  </mc:AlternateContent>
-</p:sld>
-</file>
-
-<file path=ppt/slides/slide7.xml><?xml version="1.0" encoding="utf-8"?>
-<p:sld xmlns:a="http://schemas.openxmlformats.org/drawingml/2006/main" xmlns:r="http://schemas.openxmlformats.org/officeDocument/2006/relationships" xmlns:p="http://schemas.openxmlformats.org/presentationml/2006/main" show="0">
-  <p:cSld>
-    <p:spTree>
-      <p:nvGrpSpPr>
-        <p:cNvPr id="1" name=""/>
-        <p:cNvGrpSpPr/>
-        <p:nvPr/>
-      </p:nvGrpSpPr>
-      <p:grpSpPr>
-        <a:xfrm>
-          <a:off x="0" y="0"/>
-          <a:ext cx="0" cy="0"/>
-          <a:chOff x="0" y="0"/>
-          <a:chExt cx="0" cy="0"/>
-        </a:xfrm>
-      </p:grpSpPr>
-      <p:sp>
-        <p:nvSpPr>
-          <p:cNvPr id="2" name="Title 1"/>
-          <p:cNvSpPr>
-            <a:spLocks noGrp="1"/>
-          </p:cNvSpPr>
-          <p:nvPr>
-            <p:ph type="title"/>
-          </p:nvPr>
-        </p:nvSpPr>
-        <p:spPr>
-          <a:xfrm>
-            <a:off x="519112" y="228600"/>
-            <a:ext cx="11149013" cy="1495794"/>
-          </a:xfrm>
-        </p:spPr>
-        <p:txBody>
-          <a:bodyPr/>
-          <a:lstStyle/>
-          <a:p>
-            <a:r>
-              <a:rPr lang="hr-HR" spc="-100" dirty="0">
-                <a:solidFill>
-                  <a:srgbClr val="E84B14"/>
-                </a:solidFill>
-                <a:latin typeface="+mj-lt"/>
-              </a:rPr>
-              <a:t>Draw Loop</a:t>
-            </a:r>
-            <a:br>
-              <a:rPr lang="hr-HR" spc="-100" dirty="0">
-                <a:solidFill>
-                  <a:srgbClr val="E84B14"/>
-                </a:solidFill>
-                <a:latin typeface="+mj-lt"/>
-              </a:rPr>
-            </a:br>
-            <a:endParaRPr lang="en-US" spc="-100" dirty="0">
-              <a:solidFill>
-                <a:srgbClr val="E84B14"/>
-              </a:solidFill>
-              <a:latin typeface="+mj-lt"/>
-            </a:endParaRPr>
-          </a:p>
-        </p:txBody>
-      </p:sp>
-      <p:sp>
-        <p:nvSpPr>
-          <p:cNvPr id="5" name="Text Placeholder 2"/>
-          <p:cNvSpPr>
-            <a:spLocks noGrp="1"/>
-          </p:cNvSpPr>
-          <p:nvPr>
-            <p:ph idx="1"/>
-          </p:nvPr>
-        </p:nvSpPr>
-        <p:spPr>
-          <a:xfrm>
-            <a:off x="519112" y="1447799"/>
-            <a:ext cx="11149013" cy="892552"/>
-          </a:xfrm>
-        </p:spPr>
-        <p:txBody>
-          <a:bodyPr/>
-          <a:lstStyle/>
-          <a:p>
-            <a:pPr lvl="1"/>
-            <a:r>
-              <a:rPr lang="hr-HR" dirty="0"/>
-              <a:t>Za 2d prikaz, najbolje je koristiti spritebatch klasu i zapravo raditi sprite-ove, gdje je koordinatni sustav u formatu </a:t>
-            </a:r>
-          </a:p>
-          <a:p>
-            <a:pPr marL="346075" lvl="1" indent="0">
-              <a:buNone/>
-            </a:pPr>
-            <a:endParaRPr lang="hr-HR" dirty="0"/>
-          </a:p>
-        </p:txBody>
-      </p:sp>
-      <p:pic>
-        <p:nvPicPr>
-          <p:cNvPr id="4" name="Picture 3">
-            <a:hlinkClick r:id="rId2"/>
-            <a:extLst>
-              <a:ext uri="{FF2B5EF4-FFF2-40B4-BE49-F238E27FC236}">
-                <a16:creationId xmlns:a16="http://schemas.microsoft.com/office/drawing/2014/main" id="{EA20D271-EDF6-4F65-ADA9-CD9244DAD37D}"/>
-              </a:ext>
-            </a:extLst>
-          </p:cNvPr>
-          <p:cNvPicPr>
-            <a:picLocks noChangeAspect="1"/>
-          </p:cNvPicPr>
-          <p:nvPr/>
-        </p:nvPicPr>
-        <p:blipFill>
-          <a:blip r:embed="rId3"/>
-          <a:stretch>
-            <a:fillRect/>
-          </a:stretch>
-        </p:blipFill>
-        <p:spPr>
-          <a:xfrm>
-            <a:off x="1115734" y="2340351"/>
-            <a:ext cx="7479626" cy="3929390"/>
-          </a:xfrm>
-          <a:prstGeom prst="rect">
-            <a:avLst/>
-          </a:prstGeom>
-        </p:spPr>
-      </p:pic>
-    </p:spTree>
-    <p:extLst>
-      <p:ext uri="{BB962C8B-B14F-4D97-AF65-F5344CB8AC3E}">
-        <p14:creationId xmlns:p14="http://schemas.microsoft.com/office/powerpoint/2010/main" val="2953480019"/>
-      </p:ext>
-    </p:extLst>
-  </p:cSld>
-  <p:clrMapOvr>
-    <a:masterClrMapping/>
-  </p:clrMapOvr>
-  <mc:AlternateContent xmlns:mc="http://schemas.openxmlformats.org/markup-compatibility/2006" xmlns:p14="http://schemas.microsoft.com/office/powerpoint/2010/main">
-    <mc:Choice Requires="p14">
-      <p:transition spd="slow" p14:dur="1500">
-        <p:push/>
-      </p:transition>
-    </mc:Choice>
-    <mc:Fallback xmlns="">
-      <p:transition spd="slow">
-        <p:push/>
-      </p:transition>
-    </mc:Fallback>
-  </mc:AlternateContent>
-</p:sld>
-</file>
-
 <file path=ppt/slides/slide8.xml><?xml version="1.0" encoding="utf-8"?>
 <p:sld xmlns:a="http://schemas.openxmlformats.org/drawingml/2006/main" xmlns:r="http://schemas.openxmlformats.org/officeDocument/2006/relationships" xmlns:p="http://schemas.openxmlformats.org/presentationml/2006/main" show="0">
   <p:cSld>
@@ -6203,7 +6765,7 @@
       </p:grpSpPr>
       <p:sp>
         <p:nvSpPr>
-          <p:cNvPr id="2" name="Title 1"/>
+          <p:cNvPr id="4" name="Title 3"/>
           <p:cNvSpPr>
             <a:spLocks noGrp="1"/>
           </p:cNvSpPr>
@@ -6211,85 +6773,376 @@
             <p:ph type="title"/>
           </p:nvPr>
         </p:nvSpPr>
-        <p:spPr>
-          <a:xfrm>
-            <a:off x="519112" y="228600"/>
-            <a:ext cx="11149013" cy="1495794"/>
-          </a:xfrm>
-        </p:spPr>
+        <p:spPr/>
         <p:txBody>
           <a:bodyPr/>
           <a:lstStyle/>
           <a:p>
-            <a:r>
-              <a:rPr lang="hr-HR" spc="-100" dirty="0">
-                <a:solidFill>
-                  <a:srgbClr val="E84B14"/>
-                </a:solidFill>
-                <a:latin typeface="+mj-lt"/>
-              </a:rPr>
-              <a:t>Draw Loop – 3d</a:t>
-            </a:r>
-            <a:br>
-              <a:rPr lang="hr-HR" spc="-100" dirty="0">
-                <a:solidFill>
-                  <a:srgbClr val="E84B14"/>
-                </a:solidFill>
-                <a:latin typeface="+mj-lt"/>
-              </a:rPr>
-            </a:br>
-            <a:endParaRPr lang="en-US" spc="-100" dirty="0">
-              <a:solidFill>
-                <a:srgbClr val="E84B14"/>
-              </a:solidFill>
-              <a:latin typeface="+mj-lt"/>
-            </a:endParaRPr>
+            <a:endParaRPr lang="en-US" dirty="0"/>
           </a:p>
         </p:txBody>
       </p:sp>
       <p:sp>
         <p:nvSpPr>
-          <p:cNvPr id="5" name="Text Placeholder 2"/>
-          <p:cNvSpPr>
-            <a:spLocks noGrp="1"/>
+          <p:cNvPr id="5" name="Rectangle 4"/>
+          <p:cNvSpPr/>
+          <p:nvPr/>
+        </p:nvSpPr>
+        <p:spPr bwMode="auto">
+          <a:xfrm>
+            <a:off x="3405824" y="5890455"/>
+            <a:ext cx="5367115" cy="767231"/>
+          </a:xfrm>
+          <a:prstGeom prst="rect">
+            <a:avLst/>
+          </a:prstGeom>
+          <a:solidFill>
+            <a:srgbClr val="E84B14"/>
+          </a:solidFill>
+          <a:ln>
+            <a:noFill/>
+            <a:headEnd type="none" w="med" len="med"/>
+            <a:tailEnd type="none" w="med" len="med"/>
+          </a:ln>
+          <a:effectLst/>
+        </p:spPr>
+        <p:style>
+          <a:lnRef idx="1">
+            <a:schemeClr val="accent2"/>
+          </a:lnRef>
+          <a:fillRef idx="3">
+            <a:schemeClr val="accent2"/>
+          </a:fillRef>
+          <a:effectRef idx="2">
+            <a:schemeClr val="accent2"/>
+          </a:effectRef>
+          <a:fontRef idx="minor">
+            <a:schemeClr val="lt1"/>
+          </a:fontRef>
+        </p:style>
+        <p:txBody>
+          <a:bodyPr rot="0" spcFirstLastPara="0" vertOverflow="overflow" horzOverflow="overflow" vert="horz" wrap="square" lIns="182880" tIns="45720" rIns="45720" bIns="45720" numCol="1" spcCol="0" rtlCol="0" fromWordArt="0" anchor="ctr" anchorCtr="0" forceAA="0" compatLnSpc="1">
+            <a:prstTxWarp prst="textNoShape">
+              <a:avLst/>
+            </a:prstTxWarp>
+            <a:noAutofit/>
+          </a:bodyPr>
+          <a:lstStyle/>
+          <a:p>
+            <a:pPr defTabSz="914099" fontAlgn="base">
+              <a:spcBef>
+                <a:spcPct val="0"/>
+              </a:spcBef>
+              <a:spcAft>
+                <a:spcPct val="0"/>
+              </a:spcAft>
+            </a:pPr>
+            <a:r>
+              <a:rPr lang="hr-HR" sz="2400" spc="-50" dirty="0">
+                <a:gradFill>
+                  <a:gsLst>
+                    <a:gs pos="0">
+                      <a:srgbClr val="FFFFFF"/>
+                    </a:gs>
+                    <a:gs pos="100000">
+                      <a:srgbClr val="FFFFFF"/>
+                    </a:gs>
+                  </a:gsLst>
+                  <a:lin ang="5400000" scaled="0"/>
+                </a:gradFill>
+                <a:latin typeface="Segoe UI" pitchFamily="34" charset="0"/>
+                <a:ea typeface="Segoe UI" pitchFamily="34" charset="0"/>
+                <a:cs typeface="Segoe UI" pitchFamily="34" charset="0"/>
+              </a:rPr>
+              <a:t>Game Loop</a:t>
+            </a:r>
+            <a:endParaRPr lang="en-US" sz="2400" spc="-50" dirty="0">
+              <a:gradFill>
+                <a:gsLst>
+                  <a:gs pos="0">
+                    <a:srgbClr val="FFFFFF"/>
+                  </a:gs>
+                  <a:gs pos="100000">
+                    <a:srgbClr val="FFFFFF"/>
+                  </a:gs>
+                </a:gsLst>
+                <a:lin ang="5400000" scaled="0"/>
+              </a:gradFill>
+              <a:latin typeface="Segoe UI" pitchFamily="34" charset="0"/>
+              <a:ea typeface="Segoe UI" pitchFamily="34" charset="0"/>
+              <a:cs typeface="Segoe UI" pitchFamily="34" charset="0"/>
+            </a:endParaRPr>
+          </a:p>
+        </p:txBody>
+      </p:sp>
+      <p:grpSp>
+        <p:nvGrpSpPr>
+          <p:cNvPr id="32" name="Group 31"/>
+          <p:cNvGrpSpPr/>
+          <p:nvPr/>
+        </p:nvGrpSpPr>
+        <p:grpSpPr>
+          <a:xfrm>
+            <a:off x="5761974" y="1492381"/>
+            <a:ext cx="5696938" cy="209635"/>
+            <a:chOff x="805274" y="3475269"/>
+            <a:chExt cx="3338635" cy="200185"/>
+          </a:xfrm>
+        </p:grpSpPr>
+        <p:grpSp>
+          <p:nvGrpSpPr>
+            <p:cNvPr id="33" name="Group 32"/>
+            <p:cNvGrpSpPr/>
+            <p:nvPr/>
+          </p:nvGrpSpPr>
+          <p:grpSpPr>
+            <a:xfrm>
+              <a:off x="805274" y="3475269"/>
+              <a:ext cx="1368661" cy="200185"/>
+              <a:chOff x="1843660" y="2049425"/>
+              <a:chExt cx="1368661" cy="200185"/>
+            </a:xfrm>
+          </p:grpSpPr>
+          <p:cxnSp>
+            <p:nvCxnSpPr>
+              <p:cNvPr id="37" name="Straight Connector 36"/>
+              <p:cNvCxnSpPr/>
+              <p:nvPr/>
+            </p:nvCxnSpPr>
+            <p:spPr>
+              <a:xfrm rot="5400000" flipV="1">
+                <a:off x="2527991" y="1365095"/>
+                <a:ext cx="0" cy="1368661"/>
+              </a:xfrm>
+              <a:prstGeom prst="line">
+                <a:avLst/>
+              </a:prstGeom>
+              <a:ln w="19050">
+                <a:solidFill>
+                  <a:schemeClr val="bg1">
+                    <a:lumMod val="50000"/>
+                  </a:schemeClr>
+                </a:solidFill>
+              </a:ln>
+            </p:spPr>
+            <p:style>
+              <a:lnRef idx="1">
+                <a:schemeClr val="accent1"/>
+              </a:lnRef>
+              <a:fillRef idx="0">
+                <a:schemeClr val="accent1"/>
+              </a:fillRef>
+              <a:effectRef idx="0">
+                <a:schemeClr val="accent1"/>
+              </a:effectRef>
+              <a:fontRef idx="minor">
+                <a:schemeClr val="tx1"/>
+              </a:fontRef>
+            </p:style>
+          </p:cxnSp>
+          <p:cxnSp>
+            <p:nvCxnSpPr>
+              <p:cNvPr id="38" name="Straight Connector 37"/>
+              <p:cNvCxnSpPr/>
+              <p:nvPr/>
+            </p:nvCxnSpPr>
+            <p:spPr>
+              <a:xfrm flipV="1">
+                <a:off x="1847258" y="2049425"/>
+                <a:ext cx="0" cy="200185"/>
+              </a:xfrm>
+              <a:prstGeom prst="line">
+                <a:avLst/>
+              </a:prstGeom>
+              <a:ln w="19050">
+                <a:solidFill>
+                  <a:schemeClr val="bg1">
+                    <a:lumMod val="50000"/>
+                  </a:schemeClr>
+                </a:solidFill>
+              </a:ln>
+            </p:spPr>
+            <p:style>
+              <a:lnRef idx="1">
+                <a:schemeClr val="accent1"/>
+              </a:lnRef>
+              <a:fillRef idx="0">
+                <a:schemeClr val="accent1"/>
+              </a:fillRef>
+              <a:effectRef idx="0">
+                <a:schemeClr val="accent1"/>
+              </a:effectRef>
+              <a:fontRef idx="minor">
+                <a:schemeClr val="tx1"/>
+              </a:fontRef>
+            </p:style>
+          </p:cxnSp>
+        </p:grpSp>
+        <p:grpSp>
+          <p:nvGrpSpPr>
+            <p:cNvPr id="34" name="Group 33"/>
+            <p:cNvGrpSpPr/>
+            <p:nvPr/>
+          </p:nvGrpSpPr>
+          <p:grpSpPr>
+            <a:xfrm>
+              <a:off x="2778768" y="3475269"/>
+              <a:ext cx="1365141" cy="200185"/>
+              <a:chOff x="2094926" y="2049425"/>
+              <a:chExt cx="1365141" cy="200185"/>
+            </a:xfrm>
+          </p:grpSpPr>
+          <p:cxnSp>
+            <p:nvCxnSpPr>
+              <p:cNvPr id="35" name="Straight Connector 34"/>
+              <p:cNvCxnSpPr/>
+              <p:nvPr/>
+            </p:nvCxnSpPr>
+            <p:spPr>
+              <a:xfrm rot="5400000" flipV="1">
+                <a:off x="2777497" y="1366857"/>
+                <a:ext cx="0" cy="1365141"/>
+              </a:xfrm>
+              <a:prstGeom prst="line">
+                <a:avLst/>
+              </a:prstGeom>
+              <a:ln w="19050">
+                <a:solidFill>
+                  <a:schemeClr val="bg1">
+                    <a:lumMod val="50000"/>
+                  </a:schemeClr>
+                </a:solidFill>
+              </a:ln>
+            </p:spPr>
+            <p:style>
+              <a:lnRef idx="1">
+                <a:schemeClr val="accent1"/>
+              </a:lnRef>
+              <a:fillRef idx="0">
+                <a:schemeClr val="accent1"/>
+              </a:fillRef>
+              <a:effectRef idx="0">
+                <a:schemeClr val="accent1"/>
+              </a:effectRef>
+              <a:fontRef idx="minor">
+                <a:schemeClr val="tx1"/>
+              </a:fontRef>
+            </p:style>
+          </p:cxnSp>
+          <p:cxnSp>
+            <p:nvCxnSpPr>
+              <p:cNvPr id="36" name="Straight Connector 35"/>
+              <p:cNvCxnSpPr/>
+              <p:nvPr/>
+            </p:nvCxnSpPr>
+            <p:spPr>
+              <a:xfrm flipV="1">
+                <a:off x="3453916" y="2049425"/>
+                <a:ext cx="0" cy="200185"/>
+              </a:xfrm>
+              <a:prstGeom prst="line">
+                <a:avLst/>
+              </a:prstGeom>
+              <a:ln w="19050">
+                <a:solidFill>
+                  <a:schemeClr val="bg1">
+                    <a:lumMod val="50000"/>
+                  </a:schemeClr>
+                </a:solidFill>
+              </a:ln>
+            </p:spPr>
+            <p:style>
+              <a:lnRef idx="1">
+                <a:schemeClr val="accent1"/>
+              </a:lnRef>
+              <a:fillRef idx="0">
+                <a:schemeClr val="accent1"/>
+              </a:fillRef>
+              <a:effectRef idx="0">
+                <a:schemeClr val="accent1"/>
+              </a:effectRef>
+              <a:fontRef idx="minor">
+                <a:schemeClr val="tx1"/>
+              </a:fontRef>
+            </p:style>
+          </p:cxnSp>
+        </p:grpSp>
+      </p:grpSp>
+      <p:sp>
+        <p:nvSpPr>
+          <p:cNvPr id="39" name="Title 21"/>
+          <p:cNvSpPr txBox="1">
+            <a:spLocks/>
           </p:cNvSpPr>
-          <p:nvPr>
-            <p:ph idx="1"/>
-          </p:nvPr>
+          <p:nvPr/>
         </p:nvSpPr>
         <p:spPr>
           <a:xfrm>
-            <a:off x="519112" y="1447799"/>
-            <a:ext cx="11149013" cy="615553"/>
+            <a:off x="8211856" y="1275551"/>
+            <a:ext cx="787848" cy="443198"/>
           </a:xfrm>
+          <a:prstGeom prst="rect">
+            <a:avLst/>
+          </a:prstGeom>
         </p:spPr>
         <p:txBody>
-          <a:bodyPr/>
-          <a:lstStyle/>
-          <a:p>
-            <a:pPr marL="346075" lvl="1" indent="0">
+          <a:bodyPr vert="horz" wrap="square" lIns="0" tIns="0" rIns="0" bIns="0" rtlCol="0" anchor="t">
+            <a:spAutoFit/>
+          </a:bodyPr>
+          <a:lstStyle>
+            <a:defPPr>
+              <a:defRPr lang="en-US"/>
+            </a:defPPr>
+            <a:lvl1pPr algn="ctr">
+              <a:lnSpc>
+                <a:spcPct val="90000"/>
+              </a:lnSpc>
+              <a:spcBef>
+                <a:spcPct val="0"/>
+              </a:spcBef>
               <a:buNone/>
-            </a:pPr>
-            <a:r>
-              <a:rPr lang="hr-HR" dirty="0"/>
-              <a:t>	</a:t>
-            </a:r>
-          </a:p>
-          <a:p>
-            <a:pPr marL="346075" lvl="1" indent="0">
-              <a:buNone/>
-            </a:pPr>
-            <a:endParaRPr lang="hr-HR" dirty="0"/>
+              <a:defRPr sz="3200" b="0" cap="none" spc="-100" baseline="0">
+                <a:ln w="3175">
+                  <a:noFill/>
+                </a:ln>
+                <a:gradFill>
+                  <a:gsLst>
+                    <a:gs pos="0">
+                      <a:schemeClr val="tx1">
+                        <a:lumMod val="75000"/>
+                        <a:lumOff val="25000"/>
+                      </a:schemeClr>
+                    </a:gs>
+                    <a:gs pos="100000">
+                      <a:schemeClr val="tx1">
+                        <a:lumMod val="75000"/>
+                        <a:lumOff val="25000"/>
+                      </a:schemeClr>
+                    </a:gs>
+                  </a:gsLst>
+                  <a:lin ang="5400000" scaled="0"/>
+                </a:gradFill>
+                <a:effectLst/>
+                <a:latin typeface="Segoe UI Light" pitchFamily="34" charset="0"/>
+                <a:ea typeface="Segoe UI" pitchFamily="34" charset="0"/>
+                <a:cs typeface="Segoe UI" pitchFamily="34" charset="0"/>
+              </a:defRPr>
+            </a:lvl1pPr>
+          </a:lstStyle>
+          <a:p>
+            <a:r>
+              <a:rPr lang="en-US" dirty="0"/>
+              <a:t>1.5x</a:t>
+            </a:r>
           </a:p>
         </p:txBody>
       </p:sp>
       <p:pic>
         <p:nvPicPr>
-          <p:cNvPr id="6" name="Picture 5">
-            <a:hlinkClick r:id="rId2"/>
+          <p:cNvPr id="3" name="Picture 2">
             <a:extLst>
               <a:ext uri="{FF2B5EF4-FFF2-40B4-BE49-F238E27FC236}">
-                <a16:creationId xmlns:a16="http://schemas.microsoft.com/office/drawing/2014/main" id="{1067120C-09EB-4606-8DBE-77F5F4641C5F}"/>
+                <a16:creationId xmlns:a16="http://schemas.microsoft.com/office/drawing/2014/main" id="{59E71995-2990-4FAB-911F-20F0276927EC}"/>
               </a:ext>
             </a:extLst>
           </p:cNvPr>
@@ -6299,15 +7152,15 @@
           <p:nvPr/>
         </p:nvPicPr>
         <p:blipFill>
-          <a:blip r:embed="rId3"/>
+          <a:blip r:embed="rId2"/>
           <a:stretch>
             <a:fillRect/>
           </a:stretch>
         </p:blipFill>
         <p:spPr>
           <a:xfrm>
-            <a:off x="1228822" y="1447799"/>
-            <a:ext cx="4638675" cy="4638675"/>
+            <a:off x="3312724" y="1099812"/>
+            <a:ext cx="5563376" cy="4658375"/>
           </a:xfrm>
           <a:prstGeom prst="rect">
             <a:avLst/>
@@ -6317,7 +7170,7 @@
     </p:spTree>
     <p:extLst>
       <p:ext uri="{BB962C8B-B14F-4D97-AF65-F5344CB8AC3E}">
-        <p14:creationId xmlns:p14="http://schemas.microsoft.com/office/powerpoint/2010/main" val="3615534288"/>
+        <p14:creationId xmlns:p14="http://schemas.microsoft.com/office/powerpoint/2010/main" val="2747276421"/>
       </p:ext>
     </p:extLst>
   </p:cSld>
@@ -6327,12 +7180,12 @@
   <mc:AlternateContent xmlns:mc="http://schemas.openxmlformats.org/markup-compatibility/2006" xmlns:p14="http://schemas.microsoft.com/office/powerpoint/2010/main">
     <mc:Choice Requires="p14">
       <p:transition spd="slow" p14:dur="1500">
-        <p:push/>
+        <p14:reveal/>
       </p:transition>
     </mc:Choice>
     <mc:Fallback xmlns="">
       <p:transition spd="slow">
-        <p:push/>
+        <p:fade/>
       </p:transition>
     </mc:Fallback>
   </mc:AlternateContent>
@@ -6383,7 +7236,7 @@
                 </a:solidFill>
                 <a:latin typeface="+mj-lt"/>
               </a:rPr>
-              <a:t>Resursi</a:t>
+              <a:t>Collisions</a:t>
             </a:r>
             <a:br>
               <a:rPr lang="hr-HR" spc="-100" dirty="0">
@@ -6422,70 +7275,24 @@
           <a:bodyPr/>
           <a:lstStyle/>
           <a:p>
+            <a:pPr lvl="1"/>
+            <a:r>
+              <a:rPr lang="hr-HR" dirty="0"/>
+              <a:t>Box collision </a:t>
+            </a:r>
+          </a:p>
+          <a:p>
             <a:pPr marL="346075" lvl="1" indent="0">
               <a:buNone/>
             </a:pPr>
             <a:endParaRPr lang="hr-HR" dirty="0"/>
           </a:p>
           <a:p>
-            <a:pPr marL="346075" lvl="1" indent="0">
-              <a:buNone/>
-            </a:pPr>
-            <a:r>
-              <a:rPr lang="hr-HR" dirty="0">
-                <a:hlinkClick r:id="rId2"/>
-              </a:rPr>
-              <a:t>http://www.monogame.net/	</a:t>
-            </a:r>
-            <a:endParaRPr lang="hr-HR" dirty="0"/>
-          </a:p>
-          <a:p>
-            <a:pPr marL="346075" lvl="1" indent="0">
-              <a:buNone/>
-            </a:pPr>
-            <a:r>
-              <a:rPr lang="hr-HR" dirty="0">
-                <a:hlinkClick r:id="rId3"/>
-              </a:rPr>
-              <a:t>http://rbwhitaker.wikidot.com/</a:t>
-            </a:r>
-            <a:endParaRPr lang="hr-HR" dirty="0"/>
-          </a:p>
-          <a:p>
-            <a:pPr marL="346075" lvl="1" indent="0">
-              <a:buNone/>
-            </a:pPr>
-            <a:r>
-              <a:rPr lang="hr-HR" dirty="0">
-                <a:hlinkClick r:id="rId4"/>
-              </a:rPr>
-              <a:t>http://xnadevelopment.com/tutorials.shtml</a:t>
-            </a:r>
-            <a:endParaRPr lang="hr-HR" dirty="0"/>
-          </a:p>
-          <a:p>
-            <a:pPr marL="346075" lvl="1" indent="0">
-              <a:buNone/>
-            </a:pPr>
-            <a:r>
-              <a:rPr lang="hr-HR" dirty="0">
-                <a:hlinkClick r:id="rId5"/>
-              </a:rPr>
-              <a:t>http://gameprogrammingpatterns.com/</a:t>
-            </a:r>
-            <a:endParaRPr lang="hr-HR" dirty="0"/>
-          </a:p>
-          <a:p>
-            <a:pPr marL="346075" lvl="1" indent="0">
-              <a:buNone/>
-            </a:pPr>
-            <a:r>
-              <a:rPr lang="hr-HR" dirty="0">
-                <a:hlinkClick r:id="rId6"/>
-              </a:rPr>
-              <a:t>https://www.youtube.com/user/CodingMadeEasy</a:t>
-            </a:r>
-            <a:endParaRPr lang="hr-HR" dirty="0"/>
+            <a:pPr lvl="1"/>
+            <a:r>
+              <a:rPr lang="hr-HR" dirty="0"/>
+              <a:t>Circle collision</a:t>
+            </a:r>
           </a:p>
           <a:p>
             <a:pPr marL="346075" lvl="1" indent="0">
@@ -6494,29 +7301,102 @@
             <a:endParaRPr lang="hr-HR" dirty="0"/>
           </a:p>
           <a:p>
+            <a:pPr lvl="1"/>
+            <a:r>
+              <a:rPr lang="hr-HR" dirty="0"/>
+              <a:t>Pixel Perfect collision</a:t>
+            </a:r>
+          </a:p>
+          <a:p>
             <a:pPr marL="346075" lvl="1" indent="0">
               <a:buNone/>
             </a:pPr>
-            <a:r>
-              <a:rPr lang="hr-HR" dirty="0"/>
-              <a:t>Kurt Jaegers : XNA 4.0 Game Development</a:t>
-            </a:r>
+            <a:endParaRPr lang="hr-HR" dirty="0"/>
           </a:p>
           <a:p>
             <a:pPr marL="346075" lvl="1" indent="0">
               <a:buNone/>
             </a:pPr>
-            <a:r>
-              <a:rPr lang="hr-HR" dirty="0"/>
-              <a:t>Adam Dawes : Windows 8 and Windows Phone 8 Game Development</a:t>
-            </a:r>
+            <a:endParaRPr lang="hr-HR" dirty="0"/>
+          </a:p>
+          <a:p>
+            <a:pPr marL="346075" lvl="1" indent="0">
+              <a:buNone/>
+            </a:pPr>
+            <a:endParaRPr lang="hr-HR" dirty="0"/>
+          </a:p>
+          <a:p>
+            <a:pPr marL="346075" lvl="1" indent="0">
+              <a:buNone/>
+            </a:pPr>
+            <a:endParaRPr lang="hr-HR" dirty="0"/>
           </a:p>
         </p:txBody>
       </p:sp>
+      <p:pic>
+        <p:nvPicPr>
+          <p:cNvPr id="4" name="Picture 3">
+            <a:extLst>
+              <a:ext uri="{FF2B5EF4-FFF2-40B4-BE49-F238E27FC236}">
+                <a16:creationId xmlns:a16="http://schemas.microsoft.com/office/drawing/2014/main" id="{93269D94-7740-467C-B87B-4BA3C4FC0F56}"/>
+              </a:ext>
+            </a:extLst>
+          </p:cNvPr>
+          <p:cNvPicPr>
+            <a:picLocks noChangeAspect="1"/>
+          </p:cNvPicPr>
+          <p:nvPr/>
+        </p:nvPicPr>
+        <p:blipFill>
+          <a:blip r:embed="rId2"/>
+          <a:stretch>
+            <a:fillRect/>
+          </a:stretch>
+        </p:blipFill>
+        <p:spPr>
+          <a:xfrm>
+            <a:off x="1378924" y="3312015"/>
+            <a:ext cx="3842433" cy="2857899"/>
+          </a:xfrm>
+          <a:prstGeom prst="rect">
+            <a:avLst/>
+          </a:prstGeom>
+        </p:spPr>
+      </p:pic>
+      <p:pic>
+        <p:nvPicPr>
+          <p:cNvPr id="7" name="Picture 6">
+            <a:extLst>
+              <a:ext uri="{FF2B5EF4-FFF2-40B4-BE49-F238E27FC236}">
+                <a16:creationId xmlns:a16="http://schemas.microsoft.com/office/drawing/2014/main" id="{57322EB7-0B8D-4769-9794-F36F874500DC}"/>
+              </a:ext>
+            </a:extLst>
+          </p:cNvPr>
+          <p:cNvPicPr>
+            <a:picLocks noChangeAspect="1"/>
+          </p:cNvPicPr>
+          <p:nvPr/>
+        </p:nvPicPr>
+        <p:blipFill>
+          <a:blip r:embed="rId3"/>
+          <a:stretch>
+            <a:fillRect/>
+          </a:stretch>
+        </p:blipFill>
+        <p:spPr>
+          <a:xfrm>
+            <a:off x="6539741" y="3312015"/>
+            <a:ext cx="3810000" cy="2857500"/>
+          </a:xfrm>
+          <a:prstGeom prst="rect">
+            <a:avLst/>
+          </a:prstGeom>
+        </p:spPr>
+      </p:pic>
     </p:spTree>
     <p:extLst>
       <p:ext uri="{BB962C8B-B14F-4D97-AF65-F5344CB8AC3E}">
-        <p14:creationId xmlns:p14="http://schemas.microsoft.com/office/powerpoint/2010/main" val="1386930925"/>
+        <p14:creationId xmlns:p14="http://schemas.microsoft.com/office/powerpoint/2010/main" val="2854545867"/>
       </p:ext>
     </p:extLst>
   </p:cSld>
@@ -7754,189 +8634,6 @@
 </file>
 
 <file path=customXml/item2.xml><?xml version="1.0" encoding="utf-8"?>
-<p:properties xmlns:p="http://schemas.microsoft.com/office/2006/metadata/properties" xmlns:xsi="http://www.w3.org/2001/XMLSchema-instance" xmlns:pc="http://schemas.microsoft.com/office/infopath/2007/PartnerControls">
-  <documentManagement>
-    <TaxCatchAll xmlns="2f90a3b6-08c8-4148-8fff-0427b40d8fc9">
-      <Value>172</Value>
-      <Value>160</Value>
-      <Value>159</Value>
-    </TaxCatchAll>
-    <ImageCreateDate xmlns="EB693DEA-2256-4DD9-8FF3-783287AC6516" xsi:nil="true"/>
-    <ColorspaceTaxHTField0 xmlns="2f90a3b6-08c8-4148-8fff-0427b40d8fc9">
-      <Terms xmlns="http://schemas.microsoft.com/office/infopath/2007/PartnerControls"/>
-    </ColorspaceTaxHTField0>
-    <EnclosureTypeTaxHTField0 xmlns="2f90a3b6-08c8-4148-8fff-0427b40d8fc9">
-      <Terms xmlns="http://schemas.microsoft.com/office/infopath/2007/PartnerControls"/>
-    </EnclosureTypeTaxHTField0>
-    <MediaPlayLength xmlns="2f90a3b6-08c8-4148-8fff-0427b40d8fc9" xsi:nil="true"/>
-    <VideoCodec xmlns="2f90a3b6-08c8-4148-8fff-0427b40d8fc9" xsi:nil="true"/>
-    <ExifArtist xmlns="2f90a3b6-08c8-4148-8fff-0427b40d8fc9" xsi:nil="true"/>
-    <ExifMake xmlns="2f90a3b6-08c8-4148-8fff-0427b40d8fc9" xsi:nil="true"/>
-    <FlashFrameRate xmlns="2f90a3b6-08c8-4148-8fff-0427b40d8fc9" xsi:nil="true"/>
-    <PhotoshopCopyrightNotice xmlns="2f90a3b6-08c8-4148-8fff-0427b40d8fc9" xsi:nil="true"/>
-    <PhotoshopCopyrightStatusTaxHTField0 xmlns="2f90a3b6-08c8-4148-8fff-0427b40d8fc9">
-      <Terms xmlns="http://schemas.microsoft.com/office/infopath/2007/PartnerControls"/>
-    </PhotoshopCopyrightStatusTaxHTField0>
-    <PublicationDate xmlns="2f90a3b6-08c8-4148-8fff-0427b40d8fc9">2012-08-17T19:42:39+00:00</PublicationDate>
-    <SEOPrettyURL xmlns="2f90a3b6-08c8-4148-8fff-0427b40d8fc9" xsi:nil="true"/>
-    <VerticalIndustryTaxHTField0 xmlns="2f90a3b6-08c8-4148-8fff-0427b40d8fc9">
-      <Terms xmlns="http://schemas.microsoft.com/office/infopath/2007/PartnerControls"/>
-    </VerticalIndustryTaxHTField0>
-    <AssetURL xmlns="2f90a3b6-08c8-4148-8fff-0427b40d8fc9" xsi:nil="true"/>
-    <Caption xmlns="2f90a3b6-08c8-4148-8fff-0427b40d8fc9" xsi:nil="true"/>
-    <ExifFlashReturnStatusTaxHTField0 xmlns="2f90a3b6-08c8-4148-8fff-0427b40d8fc9">
-      <Terms xmlns="http://schemas.microsoft.com/office/infopath/2007/PartnerControls"/>
-    </ExifFlashReturnStatusTaxHTField0>
-    <ExifISOSpeedRatings xmlns="2f90a3b6-08c8-4148-8fff-0427b40d8fc9" xsi:nil="true"/>
-    <ProfileColorSpace xmlns="2f90a3b6-08c8-4148-8fff-0427b40d8fc9" xsi:nil="true"/>
-    <SyndicationURL xmlns="2f90a3b6-08c8-4148-8fff-0427b40d8fc9" xsi:nil="true"/>
-    <VideoFrameRate xmlns="2f90a3b6-08c8-4148-8fff-0427b40d8fc9" xsi:nil="true"/>
-    <USBMODepartmentTaxHTField0 xmlns="2f90a3b6-08c8-4148-8fff-0427b40d8fc9">
-      <Terms xmlns="http://schemas.microsoft.com/office/infopath/2007/PartnerControls"/>
-    </USBMODepartmentTaxHTField0>
-    <ExifExposureBias xmlns="2f90a3b6-08c8-4148-8fff-0427b40d8fc9" xsi:nil="true"/>
-    <ExifFlashModeTaxHTField0 xmlns="2f90a3b6-08c8-4148-8fff-0427b40d8fc9">
-      <Terms xmlns="http://schemas.microsoft.com/office/infopath/2007/PartnerControls"/>
-    </ExifFlashModeTaxHTField0>
-    <IndividualCustomerSegmentTaxHTField0 xmlns="2f90a3b6-08c8-4148-8fff-0427b40d8fc9">
-      <Terms xmlns="http://schemas.microsoft.com/office/infopath/2007/PartnerControls"/>
-    </IndividualCustomerSegmentTaxHTField0>
-    <SEOMetaKeywords xmlns="2f90a3b6-08c8-4148-8fff-0427b40d8fc9" xsi:nil="true"/>
-    <ExifCopyright xmlns="2f90a3b6-08c8-4148-8fff-0427b40d8fc9" xsi:nil="true"/>
-    <ExifSubjectDistance xmlns="2f90a3b6-08c8-4148-8fff-0427b40d8fc9" xsi:nil="true"/>
-    <LocaleTaxHTField0 xmlns="2f90a3b6-08c8-4148-8fff-0427b40d8fc9">
-      <Terms xmlns="http://schemas.microsoft.com/office/infopath/2007/PartnerControls">
-        <TermInfo xmlns="http://schemas.microsoft.com/office/infopath/2007/PartnerControls">
-          <TermName xmlns="http://schemas.microsoft.com/office/infopath/2007/PartnerControls">en-us</TermName>
-          <TermId xmlns="http://schemas.microsoft.com/office/infopath/2007/PartnerControls">d9a69bff-8288-4080-b994-75d8eae21b51</TermId>
-        </TermInfo>
-      </Terms>
-    </LocaleTaxHTField0>
-    <PhotoshopDateCreated xmlns="2f90a3b6-08c8-4148-8fff-0427b40d8fc9" xsi:nil="true"/>
-    <VideoBitRate xmlns="2f90a3b6-08c8-4148-8fff-0427b40d8fc9" xsi:nil="true"/>
-    <CountryTaxHTField0 xmlns="2f90a3b6-08c8-4148-8fff-0427b40d8fc9">
-      <Terms xmlns="http://schemas.microsoft.com/office/infopath/2007/PartnerControls"/>
-    </CountryTaxHTField0>
-    <ExifExposureTime xmlns="2f90a3b6-08c8-4148-8fff-0427b40d8fc9" xsi:nil="true"/>
-    <ExifMeteringModeTaxHTField0 xmlns="2f90a3b6-08c8-4148-8fff-0427b40d8fc9">
-      <Terms xmlns="http://schemas.microsoft.com/office/infopath/2007/PartnerControls"/>
-    </ExifMeteringModeTaxHTField0>
-    <LCID xmlns="2f90a3b6-08c8-4148-8fff-0427b40d8fc9" xsi:nil="true"/>
-    <PageCount xmlns="2f90a3b6-08c8-4148-8fff-0427b40d8fc9" xsi:nil="true"/>
-    <VideoPreviewSize xmlns="2f90a3b6-08c8-4148-8fff-0427b40d8fc9" xsi:nil="true"/>
-    <Dimensions xmlns="2f90a3b6-08c8-4148-8fff-0427b40d8fc9" xsi:nil="true"/>
-    <ExifSoftware xmlns="2f90a3b6-08c8-4148-8fff-0427b40d8fc9" xsi:nil="true"/>
-    <PartNo xmlns="2f90a3b6-08c8-4148-8fff-0427b40d8fc9" xsi:nil="true"/>
-    <DevelopmentLanguageTaxHTField0 xmlns="2f90a3b6-08c8-4148-8fff-0427b40d8fc9">
-      <Terms xmlns="http://schemas.microsoft.com/office/infopath/2007/PartnerControls"/>
-    </DevelopmentLanguageTaxHTField0>
-    <ProfileDescription xmlns="2f90a3b6-08c8-4148-8fff-0427b40d8fc9" xsi:nil="true"/>
-    <ExifFlashRedEyeModeTaxHTField0 xmlns="2f90a3b6-08c8-4148-8fff-0427b40d8fc9">
-      <Terms xmlns="http://schemas.microsoft.com/office/infopath/2007/PartnerControls"/>
-    </ExifFlashRedEyeModeTaxHTField0>
-    <FlashFrameCount xmlns="2f90a3b6-08c8-4148-8fff-0427b40d8fc9" xsi:nil="true"/>
-    <HorizontalBusinessSolutionsTaxHTField0 xmlns="2f90a3b6-08c8-4148-8fff-0427b40d8fc9">
-      <Terms xmlns="http://schemas.microsoft.com/office/infopath/2007/PartnerControls"/>
-    </HorizontalBusinessSolutionsTaxHTField0>
-    <ExifModel xmlns="2f90a3b6-08c8-4148-8fff-0427b40d8fc9" xsi:nil="true"/>
-    <LegacyID xmlns="2f90a3b6-08c8-4148-8fff-0427b40d8fc9" xsi:nil="true"/>
-    <SEOMetaTitle xmlns="2f90a3b6-08c8-4148-8fff-0427b40d8fc9" xsi:nil="true"/>
-    <VideoFrames xmlns="2f90a3b6-08c8-4148-8fff-0427b40d8fc9" xsi:nil="true"/>
-    <AssetTypeTaxHTField0 xmlns="2f90a3b6-08c8-4148-8fff-0427b40d8fc9">
-      <Terms xmlns="http://schemas.microsoft.com/office/infopath/2007/PartnerControls">
-        <TermInfo xmlns="http://schemas.microsoft.com/office/infopath/2007/PartnerControls">
-          <TermName xmlns="http://schemas.microsoft.com/office/infopath/2007/PartnerControls">PPTX</TermName>
-          <TermId xmlns="http://schemas.microsoft.com/office/infopath/2007/PartnerControls">3c2243da-72e9-4852-893e-968034205e3f</TermId>
-        </TermInfo>
-      </Terms>
-    </AssetTypeTaxHTField0>
-    <ExifFlashFunctionTaxHTField0 xmlns="2f90a3b6-08c8-4148-8fff-0427b40d8fc9">
-      <Terms xmlns="http://schemas.microsoft.com/office/infopath/2007/PartnerControls"/>
-    </ExifFlashFunctionTaxHTField0>
-    <USBMOLanguageTaxHTField0 xmlns="2f90a3b6-08c8-4148-8fff-0427b40d8fc9">
-      <Terms xmlns="http://schemas.microsoft.com/office/infopath/2007/PartnerControls">
-        <TermInfo xmlns="http://schemas.microsoft.com/office/infopath/2007/PartnerControls">
-          <TermName xmlns="http://schemas.microsoft.com/office/infopath/2007/PartnerControls">English</TermName>
-          <TermId xmlns="http://schemas.microsoft.com/office/infopath/2007/PartnerControls">a5ff94d2-1ec6-4a3d-91b6-499704bb2bfb</TermId>
-        </TermInfo>
-      </Terms>
-    </USBMOLanguageTaxHTField0>
-    <Syndicatable xmlns="2f90a3b6-08c8-4148-8fff-0427b40d8fc9">false</Syndicatable>
-    <SyndicationEndDate xmlns="2f90a3b6-08c8-4148-8fff-0427b40d8fc9" xsi:nil="true"/>
-    <ContentPurposeTaxHTField0 xmlns="2f90a3b6-08c8-4148-8fff-0427b40d8fc9">
-      <Terms xmlns="http://schemas.microsoft.com/office/infopath/2007/PartnerControls"/>
-    </ContentPurposeTaxHTField0>
-    <ElementTypeTaxHTField0 xmlns="2f90a3b6-08c8-4148-8fff-0427b40d8fc9">
-      <Terms xmlns="http://schemas.microsoft.com/office/infopath/2007/PartnerControls">
-        <TermInfo xmlns="http://schemas.microsoft.com/office/infopath/2007/PartnerControls">
-          <TermName xmlns="http://schemas.microsoft.com/office/infopath/2007/PartnerControls">Other</TermName>
-          <TermId xmlns="http://schemas.microsoft.com/office/infopath/2007/PartnerControls">675b6a5d-2ecd-48a3-8c10-33b51e64d58c</TermId>
-        </TermInfo>
-      </Terms>
-    </ElementTypeTaxHTField0>
-    <ExifMaxApertureValue xmlns="2f90a3b6-08c8-4148-8fff-0427b40d8fc9" xsi:nil="true"/>
-    <ImageColorScheme xmlns="2f90a3b6-08c8-4148-8fff-0427b40d8fc9" xsi:nil="true"/>
-    <OrganizationalCustomerSegmentTaxHTField0 xmlns="2f90a3b6-08c8-4148-8fff-0427b40d8fc9">
-      <Terms xmlns="http://schemas.microsoft.com/office/infopath/2007/PartnerControls"/>
-    </OrganizationalCustomerSegmentTaxHTField0>
-    <UTCOffset xmlns="2f90a3b6-08c8-4148-8fff-0427b40d8fc9" xsi:nil="true"/>
-    <DistributionChannelTaxHTField0 xmlns="2f90a3b6-08c8-4148-8fff-0427b40d8fc9">
-      <Terms xmlns="http://schemas.microsoft.com/office/infopath/2007/PartnerControls"/>
-    </DistributionChannelTaxHTField0>
-    <ExifExposureProgramTaxHTField0 xmlns="2f90a3b6-08c8-4148-8fff-0427b40d8fc9">
-      <Terms xmlns="http://schemas.microsoft.com/office/infopath/2007/PartnerControls"/>
-    </ExifExposureProgramTaxHTField0>
-    <PhotoshopCaption xmlns="2f90a3b6-08c8-4148-8fff-0427b40d8fc9" xsi:nil="true"/>
-    <Resolution xmlns="2f90a3b6-08c8-4148-8fff-0427b40d8fc9" xsi:nil="true"/>
-    <ExifFlashFiredStatusTaxHTField0 xmlns="2f90a3b6-08c8-4148-8fff-0427b40d8fc9">
-      <Terms xmlns="http://schemas.microsoft.com/office/infopath/2007/PartnerControls"/>
-    </ExifFlashFiredStatusTaxHTField0>
-    <ExifImageDescription xmlns="2f90a3b6-08c8-4148-8fff-0427b40d8fc9" xsi:nil="true"/>
-    <GeographyTaxHTField0 xmlns="2f90a3b6-08c8-4148-8fff-0427b40d8fc9">
-      <Terms xmlns="http://schemas.microsoft.com/office/infopath/2007/PartnerControls"/>
-    </GeographyTaxHTField0>
-    <SolutionTaxHTField0 xmlns="2f90a3b6-08c8-4148-8fff-0427b40d8fc9">
-      <Terms xmlns="http://schemas.microsoft.com/office/infopath/2007/PartnerControls"/>
-    </SolutionTaxHTField0>
-    <USBMODescription xmlns="2f90a3b6-08c8-4148-8fff-0427b40d8fc9">Windows 8 PowerPoint Template</USBMODescription>
-    <ExifSensingMethodTaxHTField0 xmlns="2f90a3b6-08c8-4148-8fff-0427b40d8fc9">
-      <Terms xmlns="http://schemas.microsoft.com/office/infopath/2007/PartnerControls"/>
-    </ExifSensingMethodTaxHTField0>
-    <JobRoleTaxHTField0 xmlns="2f90a3b6-08c8-4148-8fff-0427b40d8fc9">
-      <Terms xmlns="http://schemas.microsoft.com/office/infopath/2007/PartnerControls"/>
-    </JobRoleTaxHTField0>
-    <SyndicationStartDate xmlns="2f90a3b6-08c8-4148-8fff-0427b40d8fc9" xsi:nil="true"/>
-    <BitDepth xmlns="2f90a3b6-08c8-4148-8fff-0427b40d8fc9" xsi:nil="true"/>
-    <DeletionDate xmlns="2f90a3b6-08c8-4148-8fff-0427b40d8fc9" xsi:nil="true"/>
-    <ExifFNumber xmlns="2f90a3b6-08c8-4148-8fff-0427b40d8fc9" xsi:nil="true"/>
-    <ExifFocalLength xmlns="2f90a3b6-08c8-4148-8fff-0427b40d8fc9" xsi:nil="true"/>
-    <ProductsTaxHTField0 xmlns="2f90a3b6-08c8-4148-8fff-0427b40d8fc9">
-      <Terms xmlns="http://schemas.microsoft.com/office/infopath/2007/PartnerControls"/>
-    </ProductsTaxHTField0>
-    <ProductAreaTaxHTField0 xmlns="2f90a3b6-08c8-4148-8fff-0427b40d8fc9">
-      <Terms xmlns="http://schemas.microsoft.com/office/infopath/2007/PartnerControls"/>
-    </ProductAreaTaxHTField0>
-    <wic_System_Copyright xmlns="http://schemas.microsoft.com/sharepoint/v3/fields" xsi:nil="true"/>
-    <OriginalCreator xmlns="2f90a3b6-08c8-4148-8fff-0427b40d8fc9" xsi:nil="true"/>
-    <ExifApertureValue xmlns="2f90a3b6-08c8-4148-8fff-0427b40d8fc9" xsi:nil="true"/>
-    <ExifDateTime xmlns="2f90a3b6-08c8-4148-8fff-0427b40d8fc9" xsi:nil="true"/>
-    <ExifLightSourceTaxHTField0 xmlns="2f90a3b6-08c8-4148-8fff-0427b40d8fc9">
-      <Terms xmlns="http://schemas.microsoft.com/office/infopath/2007/PartnerControls"/>
-    </ExifLightSourceTaxHTField0>
-    <ExifShutterSpeed xmlns="2f90a3b6-08c8-4148-8fff-0427b40d8fc9" xsi:nil="true"/>
-    <ResponsibleGroup xmlns="2f90a3b6-08c8-4148-8fff-0427b40d8fc9" xsi:nil="true"/>
-    <Comments xmlns="http://schemas.microsoft.com/sharepoint/v3" xsi:nil="true"/>
-    <SEOMetaDescription xmlns="2f90a3b6-08c8-4148-8fff-0427b40d8fc9" xsi:nil="true"/>
-  </documentManagement>
-</p:properties>
-</file>
-
-<file path=customXml/item3.xml><?xml version="1.0" encoding="utf-8"?>
-<?mso-contentType ?>
-<SharedContentType xmlns="Microsoft.SharePoint.Taxonomy.ContentTypeSync" SourceId="e5351508-46ca-4454-b07c-bc767568d5f1" ContentTypeId="0x0101009148F5A04DDD49CBA7127AADA5FB792B00AADE34325A8B49CDA8BB4DB53328F2140042A8F7EFA3D8428BA83C1DD618D41277" PreviousValue="false"/>
-</file>
-
-<file path=customXml/item4.xml><?xml version="1.0" encoding="utf-8"?>
 <ct:contentTypeSchema xmlns:ct="http://schemas.microsoft.com/office/2006/metadata/contentType" xmlns:ma="http://schemas.microsoft.com/office/2006/metadata/properties/metaAttributes" ct:_="" ma:_="" ma:contentTypeName="MASS MediaBank Image" ma:contentTypeID="0x0101009148F5A04DDD49CBA7127AADA5FB792B00AADE34325A8B49CDA8BB4DB53328F2140042A8F7EFA3D8428BA83C1DD618D41277008B7D58F6637A6449A868D36ABEDD5D7D" ma:contentTypeVersion="1" ma:contentTypeDescription="Upload an image." ma:contentTypeScope="" ma:versionID="cf5d87ef76ae645aeecfd1524f32f789">
   <xsd:schema xmlns:xsd="http://www.w3.org/2001/XMLSchema" xmlns:xs="http://www.w3.org/2001/XMLSchema" xmlns:p="http://schemas.microsoft.com/office/2006/metadata/properties" xmlns:ns1="http://schemas.microsoft.com/sharepoint/v3" xmlns:ns2="EB693DEA-2256-4DD9-8FF3-783287AC6516" xmlns:ns3="http://schemas.microsoft.com/sharepoint/v3/fields" xmlns:ns4="2f90a3b6-08c8-4148-8fff-0427b40d8fc9" targetNamespace="http://schemas.microsoft.com/office/2006/metadata/properties" ma:root="true" ma:fieldsID="659fa2edc7c82f120babd68af08693e1" ns1:_="" ns2:_="" ns3:_="" ns4:_="">
     <xsd:import namespace="http://schemas.microsoft.com/sharepoint/v3"/>
@@ -8723,6 +9420,189 @@
 </ct:contentTypeSchema>
 </file>
 
+<file path=customXml/item3.xml><?xml version="1.0" encoding="utf-8"?>
+<?mso-contentType ?>
+<SharedContentType xmlns="Microsoft.SharePoint.Taxonomy.ContentTypeSync" SourceId="e5351508-46ca-4454-b07c-bc767568d5f1" ContentTypeId="0x0101009148F5A04DDD49CBA7127AADA5FB792B00AADE34325A8B49CDA8BB4DB53328F2140042A8F7EFA3D8428BA83C1DD618D41277" PreviousValue="false"/>
+</file>
+
+<file path=customXml/item4.xml><?xml version="1.0" encoding="utf-8"?>
+<p:properties xmlns:p="http://schemas.microsoft.com/office/2006/metadata/properties" xmlns:xsi="http://www.w3.org/2001/XMLSchema-instance" xmlns:pc="http://schemas.microsoft.com/office/infopath/2007/PartnerControls">
+  <documentManagement>
+    <TaxCatchAll xmlns="2f90a3b6-08c8-4148-8fff-0427b40d8fc9">
+      <Value>172</Value>
+      <Value>160</Value>
+      <Value>159</Value>
+    </TaxCatchAll>
+    <ImageCreateDate xmlns="EB693DEA-2256-4DD9-8FF3-783287AC6516" xsi:nil="true"/>
+    <ColorspaceTaxHTField0 xmlns="2f90a3b6-08c8-4148-8fff-0427b40d8fc9">
+      <Terms xmlns="http://schemas.microsoft.com/office/infopath/2007/PartnerControls"/>
+    </ColorspaceTaxHTField0>
+    <EnclosureTypeTaxHTField0 xmlns="2f90a3b6-08c8-4148-8fff-0427b40d8fc9">
+      <Terms xmlns="http://schemas.microsoft.com/office/infopath/2007/PartnerControls"/>
+    </EnclosureTypeTaxHTField0>
+    <MediaPlayLength xmlns="2f90a3b6-08c8-4148-8fff-0427b40d8fc9" xsi:nil="true"/>
+    <VideoCodec xmlns="2f90a3b6-08c8-4148-8fff-0427b40d8fc9" xsi:nil="true"/>
+    <ExifArtist xmlns="2f90a3b6-08c8-4148-8fff-0427b40d8fc9" xsi:nil="true"/>
+    <ExifMake xmlns="2f90a3b6-08c8-4148-8fff-0427b40d8fc9" xsi:nil="true"/>
+    <FlashFrameRate xmlns="2f90a3b6-08c8-4148-8fff-0427b40d8fc9" xsi:nil="true"/>
+    <PhotoshopCopyrightNotice xmlns="2f90a3b6-08c8-4148-8fff-0427b40d8fc9" xsi:nil="true"/>
+    <PhotoshopCopyrightStatusTaxHTField0 xmlns="2f90a3b6-08c8-4148-8fff-0427b40d8fc9">
+      <Terms xmlns="http://schemas.microsoft.com/office/infopath/2007/PartnerControls"/>
+    </PhotoshopCopyrightStatusTaxHTField0>
+    <PublicationDate xmlns="2f90a3b6-08c8-4148-8fff-0427b40d8fc9">2012-08-17T19:42:39+00:00</PublicationDate>
+    <SEOPrettyURL xmlns="2f90a3b6-08c8-4148-8fff-0427b40d8fc9" xsi:nil="true"/>
+    <VerticalIndustryTaxHTField0 xmlns="2f90a3b6-08c8-4148-8fff-0427b40d8fc9">
+      <Terms xmlns="http://schemas.microsoft.com/office/infopath/2007/PartnerControls"/>
+    </VerticalIndustryTaxHTField0>
+    <AssetURL xmlns="2f90a3b6-08c8-4148-8fff-0427b40d8fc9" xsi:nil="true"/>
+    <Caption xmlns="2f90a3b6-08c8-4148-8fff-0427b40d8fc9" xsi:nil="true"/>
+    <ExifFlashReturnStatusTaxHTField0 xmlns="2f90a3b6-08c8-4148-8fff-0427b40d8fc9">
+      <Terms xmlns="http://schemas.microsoft.com/office/infopath/2007/PartnerControls"/>
+    </ExifFlashReturnStatusTaxHTField0>
+    <ExifISOSpeedRatings xmlns="2f90a3b6-08c8-4148-8fff-0427b40d8fc9" xsi:nil="true"/>
+    <ProfileColorSpace xmlns="2f90a3b6-08c8-4148-8fff-0427b40d8fc9" xsi:nil="true"/>
+    <SyndicationURL xmlns="2f90a3b6-08c8-4148-8fff-0427b40d8fc9" xsi:nil="true"/>
+    <VideoFrameRate xmlns="2f90a3b6-08c8-4148-8fff-0427b40d8fc9" xsi:nil="true"/>
+    <USBMODepartmentTaxHTField0 xmlns="2f90a3b6-08c8-4148-8fff-0427b40d8fc9">
+      <Terms xmlns="http://schemas.microsoft.com/office/infopath/2007/PartnerControls"/>
+    </USBMODepartmentTaxHTField0>
+    <ExifExposureBias xmlns="2f90a3b6-08c8-4148-8fff-0427b40d8fc9" xsi:nil="true"/>
+    <ExifFlashModeTaxHTField0 xmlns="2f90a3b6-08c8-4148-8fff-0427b40d8fc9">
+      <Terms xmlns="http://schemas.microsoft.com/office/infopath/2007/PartnerControls"/>
+    </ExifFlashModeTaxHTField0>
+    <IndividualCustomerSegmentTaxHTField0 xmlns="2f90a3b6-08c8-4148-8fff-0427b40d8fc9">
+      <Terms xmlns="http://schemas.microsoft.com/office/infopath/2007/PartnerControls"/>
+    </IndividualCustomerSegmentTaxHTField0>
+    <SEOMetaKeywords xmlns="2f90a3b6-08c8-4148-8fff-0427b40d8fc9" xsi:nil="true"/>
+    <ExifCopyright xmlns="2f90a3b6-08c8-4148-8fff-0427b40d8fc9" xsi:nil="true"/>
+    <ExifSubjectDistance xmlns="2f90a3b6-08c8-4148-8fff-0427b40d8fc9" xsi:nil="true"/>
+    <LocaleTaxHTField0 xmlns="2f90a3b6-08c8-4148-8fff-0427b40d8fc9">
+      <Terms xmlns="http://schemas.microsoft.com/office/infopath/2007/PartnerControls">
+        <TermInfo xmlns="http://schemas.microsoft.com/office/infopath/2007/PartnerControls">
+          <TermName xmlns="http://schemas.microsoft.com/office/infopath/2007/PartnerControls">en-us</TermName>
+          <TermId xmlns="http://schemas.microsoft.com/office/infopath/2007/PartnerControls">d9a69bff-8288-4080-b994-75d8eae21b51</TermId>
+        </TermInfo>
+      </Terms>
+    </LocaleTaxHTField0>
+    <PhotoshopDateCreated xmlns="2f90a3b6-08c8-4148-8fff-0427b40d8fc9" xsi:nil="true"/>
+    <VideoBitRate xmlns="2f90a3b6-08c8-4148-8fff-0427b40d8fc9" xsi:nil="true"/>
+    <CountryTaxHTField0 xmlns="2f90a3b6-08c8-4148-8fff-0427b40d8fc9">
+      <Terms xmlns="http://schemas.microsoft.com/office/infopath/2007/PartnerControls"/>
+    </CountryTaxHTField0>
+    <ExifExposureTime xmlns="2f90a3b6-08c8-4148-8fff-0427b40d8fc9" xsi:nil="true"/>
+    <ExifMeteringModeTaxHTField0 xmlns="2f90a3b6-08c8-4148-8fff-0427b40d8fc9">
+      <Terms xmlns="http://schemas.microsoft.com/office/infopath/2007/PartnerControls"/>
+    </ExifMeteringModeTaxHTField0>
+    <LCID xmlns="2f90a3b6-08c8-4148-8fff-0427b40d8fc9" xsi:nil="true"/>
+    <PageCount xmlns="2f90a3b6-08c8-4148-8fff-0427b40d8fc9" xsi:nil="true"/>
+    <VideoPreviewSize xmlns="2f90a3b6-08c8-4148-8fff-0427b40d8fc9" xsi:nil="true"/>
+    <Dimensions xmlns="2f90a3b6-08c8-4148-8fff-0427b40d8fc9" xsi:nil="true"/>
+    <ExifSoftware xmlns="2f90a3b6-08c8-4148-8fff-0427b40d8fc9" xsi:nil="true"/>
+    <PartNo xmlns="2f90a3b6-08c8-4148-8fff-0427b40d8fc9" xsi:nil="true"/>
+    <DevelopmentLanguageTaxHTField0 xmlns="2f90a3b6-08c8-4148-8fff-0427b40d8fc9">
+      <Terms xmlns="http://schemas.microsoft.com/office/infopath/2007/PartnerControls"/>
+    </DevelopmentLanguageTaxHTField0>
+    <ProfileDescription xmlns="2f90a3b6-08c8-4148-8fff-0427b40d8fc9" xsi:nil="true"/>
+    <ExifFlashRedEyeModeTaxHTField0 xmlns="2f90a3b6-08c8-4148-8fff-0427b40d8fc9">
+      <Terms xmlns="http://schemas.microsoft.com/office/infopath/2007/PartnerControls"/>
+    </ExifFlashRedEyeModeTaxHTField0>
+    <FlashFrameCount xmlns="2f90a3b6-08c8-4148-8fff-0427b40d8fc9" xsi:nil="true"/>
+    <HorizontalBusinessSolutionsTaxHTField0 xmlns="2f90a3b6-08c8-4148-8fff-0427b40d8fc9">
+      <Terms xmlns="http://schemas.microsoft.com/office/infopath/2007/PartnerControls"/>
+    </HorizontalBusinessSolutionsTaxHTField0>
+    <ExifModel xmlns="2f90a3b6-08c8-4148-8fff-0427b40d8fc9" xsi:nil="true"/>
+    <LegacyID xmlns="2f90a3b6-08c8-4148-8fff-0427b40d8fc9" xsi:nil="true"/>
+    <SEOMetaTitle xmlns="2f90a3b6-08c8-4148-8fff-0427b40d8fc9" xsi:nil="true"/>
+    <VideoFrames xmlns="2f90a3b6-08c8-4148-8fff-0427b40d8fc9" xsi:nil="true"/>
+    <AssetTypeTaxHTField0 xmlns="2f90a3b6-08c8-4148-8fff-0427b40d8fc9">
+      <Terms xmlns="http://schemas.microsoft.com/office/infopath/2007/PartnerControls">
+        <TermInfo xmlns="http://schemas.microsoft.com/office/infopath/2007/PartnerControls">
+          <TermName xmlns="http://schemas.microsoft.com/office/infopath/2007/PartnerControls">PPTX</TermName>
+          <TermId xmlns="http://schemas.microsoft.com/office/infopath/2007/PartnerControls">3c2243da-72e9-4852-893e-968034205e3f</TermId>
+        </TermInfo>
+      </Terms>
+    </AssetTypeTaxHTField0>
+    <ExifFlashFunctionTaxHTField0 xmlns="2f90a3b6-08c8-4148-8fff-0427b40d8fc9">
+      <Terms xmlns="http://schemas.microsoft.com/office/infopath/2007/PartnerControls"/>
+    </ExifFlashFunctionTaxHTField0>
+    <USBMOLanguageTaxHTField0 xmlns="2f90a3b6-08c8-4148-8fff-0427b40d8fc9">
+      <Terms xmlns="http://schemas.microsoft.com/office/infopath/2007/PartnerControls">
+        <TermInfo xmlns="http://schemas.microsoft.com/office/infopath/2007/PartnerControls">
+          <TermName xmlns="http://schemas.microsoft.com/office/infopath/2007/PartnerControls">English</TermName>
+          <TermId xmlns="http://schemas.microsoft.com/office/infopath/2007/PartnerControls">a5ff94d2-1ec6-4a3d-91b6-499704bb2bfb</TermId>
+        </TermInfo>
+      </Terms>
+    </USBMOLanguageTaxHTField0>
+    <Syndicatable xmlns="2f90a3b6-08c8-4148-8fff-0427b40d8fc9">false</Syndicatable>
+    <SyndicationEndDate xmlns="2f90a3b6-08c8-4148-8fff-0427b40d8fc9" xsi:nil="true"/>
+    <ContentPurposeTaxHTField0 xmlns="2f90a3b6-08c8-4148-8fff-0427b40d8fc9">
+      <Terms xmlns="http://schemas.microsoft.com/office/infopath/2007/PartnerControls"/>
+    </ContentPurposeTaxHTField0>
+    <ElementTypeTaxHTField0 xmlns="2f90a3b6-08c8-4148-8fff-0427b40d8fc9">
+      <Terms xmlns="http://schemas.microsoft.com/office/infopath/2007/PartnerControls">
+        <TermInfo xmlns="http://schemas.microsoft.com/office/infopath/2007/PartnerControls">
+          <TermName xmlns="http://schemas.microsoft.com/office/infopath/2007/PartnerControls">Other</TermName>
+          <TermId xmlns="http://schemas.microsoft.com/office/infopath/2007/PartnerControls">675b6a5d-2ecd-48a3-8c10-33b51e64d58c</TermId>
+        </TermInfo>
+      </Terms>
+    </ElementTypeTaxHTField0>
+    <ExifMaxApertureValue xmlns="2f90a3b6-08c8-4148-8fff-0427b40d8fc9" xsi:nil="true"/>
+    <ImageColorScheme xmlns="2f90a3b6-08c8-4148-8fff-0427b40d8fc9" xsi:nil="true"/>
+    <OrganizationalCustomerSegmentTaxHTField0 xmlns="2f90a3b6-08c8-4148-8fff-0427b40d8fc9">
+      <Terms xmlns="http://schemas.microsoft.com/office/infopath/2007/PartnerControls"/>
+    </OrganizationalCustomerSegmentTaxHTField0>
+    <UTCOffset xmlns="2f90a3b6-08c8-4148-8fff-0427b40d8fc9" xsi:nil="true"/>
+    <DistributionChannelTaxHTField0 xmlns="2f90a3b6-08c8-4148-8fff-0427b40d8fc9">
+      <Terms xmlns="http://schemas.microsoft.com/office/infopath/2007/PartnerControls"/>
+    </DistributionChannelTaxHTField0>
+    <ExifExposureProgramTaxHTField0 xmlns="2f90a3b6-08c8-4148-8fff-0427b40d8fc9">
+      <Terms xmlns="http://schemas.microsoft.com/office/infopath/2007/PartnerControls"/>
+    </ExifExposureProgramTaxHTField0>
+    <PhotoshopCaption xmlns="2f90a3b6-08c8-4148-8fff-0427b40d8fc9" xsi:nil="true"/>
+    <Resolution xmlns="2f90a3b6-08c8-4148-8fff-0427b40d8fc9" xsi:nil="true"/>
+    <ExifFlashFiredStatusTaxHTField0 xmlns="2f90a3b6-08c8-4148-8fff-0427b40d8fc9">
+      <Terms xmlns="http://schemas.microsoft.com/office/infopath/2007/PartnerControls"/>
+    </ExifFlashFiredStatusTaxHTField0>
+    <ExifImageDescription xmlns="2f90a3b6-08c8-4148-8fff-0427b40d8fc9" xsi:nil="true"/>
+    <GeographyTaxHTField0 xmlns="2f90a3b6-08c8-4148-8fff-0427b40d8fc9">
+      <Terms xmlns="http://schemas.microsoft.com/office/infopath/2007/PartnerControls"/>
+    </GeographyTaxHTField0>
+    <SolutionTaxHTField0 xmlns="2f90a3b6-08c8-4148-8fff-0427b40d8fc9">
+      <Terms xmlns="http://schemas.microsoft.com/office/infopath/2007/PartnerControls"/>
+    </SolutionTaxHTField0>
+    <USBMODescription xmlns="2f90a3b6-08c8-4148-8fff-0427b40d8fc9">Windows 8 PowerPoint Template</USBMODescription>
+    <ExifSensingMethodTaxHTField0 xmlns="2f90a3b6-08c8-4148-8fff-0427b40d8fc9">
+      <Terms xmlns="http://schemas.microsoft.com/office/infopath/2007/PartnerControls"/>
+    </ExifSensingMethodTaxHTField0>
+    <JobRoleTaxHTField0 xmlns="2f90a3b6-08c8-4148-8fff-0427b40d8fc9">
+      <Terms xmlns="http://schemas.microsoft.com/office/infopath/2007/PartnerControls"/>
+    </JobRoleTaxHTField0>
+    <SyndicationStartDate xmlns="2f90a3b6-08c8-4148-8fff-0427b40d8fc9" xsi:nil="true"/>
+    <BitDepth xmlns="2f90a3b6-08c8-4148-8fff-0427b40d8fc9" xsi:nil="true"/>
+    <DeletionDate xmlns="2f90a3b6-08c8-4148-8fff-0427b40d8fc9" xsi:nil="true"/>
+    <ExifFNumber xmlns="2f90a3b6-08c8-4148-8fff-0427b40d8fc9" xsi:nil="true"/>
+    <ExifFocalLength xmlns="2f90a3b6-08c8-4148-8fff-0427b40d8fc9" xsi:nil="true"/>
+    <ProductsTaxHTField0 xmlns="2f90a3b6-08c8-4148-8fff-0427b40d8fc9">
+      <Terms xmlns="http://schemas.microsoft.com/office/infopath/2007/PartnerControls"/>
+    </ProductsTaxHTField0>
+    <ProductAreaTaxHTField0 xmlns="2f90a3b6-08c8-4148-8fff-0427b40d8fc9">
+      <Terms xmlns="http://schemas.microsoft.com/office/infopath/2007/PartnerControls"/>
+    </ProductAreaTaxHTField0>
+    <wic_System_Copyright xmlns="http://schemas.microsoft.com/sharepoint/v3/fields" xsi:nil="true"/>
+    <OriginalCreator xmlns="2f90a3b6-08c8-4148-8fff-0427b40d8fc9" xsi:nil="true"/>
+    <ExifApertureValue xmlns="2f90a3b6-08c8-4148-8fff-0427b40d8fc9" xsi:nil="true"/>
+    <ExifDateTime xmlns="2f90a3b6-08c8-4148-8fff-0427b40d8fc9" xsi:nil="true"/>
+    <ExifLightSourceTaxHTField0 xmlns="2f90a3b6-08c8-4148-8fff-0427b40d8fc9">
+      <Terms xmlns="http://schemas.microsoft.com/office/infopath/2007/PartnerControls"/>
+    </ExifLightSourceTaxHTField0>
+    <ExifShutterSpeed xmlns="2f90a3b6-08c8-4148-8fff-0427b40d8fc9" xsi:nil="true"/>
+    <ResponsibleGroup xmlns="2f90a3b6-08c8-4148-8fff-0427b40d8fc9" xsi:nil="true"/>
+    <Comments xmlns="http://schemas.microsoft.com/sharepoint/v3" xsi:nil="true"/>
+    <SEOMetaDescription xmlns="2f90a3b6-08c8-4148-8fff-0427b40d8fc9" xsi:nil="true"/>
+  </documentManagement>
+</p:properties>
+</file>
+
 <file path=customXml/itemProps1.xml><?xml version="1.0" encoding="utf-8"?>
 <ds:datastoreItem xmlns:ds="http://schemas.openxmlformats.org/officeDocument/2006/customXml" ds:itemID="{758FDAC0-319D-4A54-8D8E-1D42CB1F8004}">
   <ds:schemaRefs>
@@ -8732,33 +9612,6 @@
 </file>
 
 <file path=customXml/itemProps2.xml><?xml version="1.0" encoding="utf-8"?>
-<ds:datastoreItem xmlns:ds="http://schemas.openxmlformats.org/officeDocument/2006/customXml" ds:itemID="{F990F116-B58F-4255-B05B-DA3808E0E5C6}">
-  <ds:schemaRefs>
-    <ds:schemaRef ds:uri="http://purl.org/dc/dcmitype/"/>
-    <ds:schemaRef ds:uri="http://schemas.openxmlformats.org/package/2006/metadata/core-properties"/>
-    <ds:schemaRef ds:uri="http://purl.org/dc/elements/1.1/"/>
-    <ds:schemaRef ds:uri="http://schemas.microsoft.com/office/2006/metadata/properties"/>
-    <ds:schemaRef ds:uri="http://schemas.microsoft.com/office/2006/documentManagement/types"/>
-    <ds:schemaRef ds:uri="http://schemas.microsoft.com/sharepoint/v3"/>
-    <ds:schemaRef ds:uri="http://schemas.microsoft.com/office/infopath/2007/PartnerControls"/>
-    <ds:schemaRef ds:uri="http://purl.org/dc/terms/"/>
-    <ds:schemaRef ds:uri="2f90a3b6-08c8-4148-8fff-0427b40d8fc9"/>
-    <ds:schemaRef ds:uri="http://schemas.microsoft.com/sharepoint/v3/fields"/>
-    <ds:schemaRef ds:uri="EB693DEA-2256-4DD9-8FF3-783287AC6516"/>
-    <ds:schemaRef ds:uri="http://www.w3.org/XML/1998/namespace"/>
-  </ds:schemaRefs>
-</ds:datastoreItem>
-</file>
-
-<file path=customXml/itemProps3.xml><?xml version="1.0" encoding="utf-8"?>
-<ds:datastoreItem xmlns:ds="http://schemas.openxmlformats.org/officeDocument/2006/customXml" ds:itemID="{4B823631-F3B9-444B-BFA9-343B4967A39F}">
-  <ds:schemaRefs>
-    <ds:schemaRef ds:uri="Microsoft.SharePoint.Taxonomy.ContentTypeSync"/>
-  </ds:schemaRefs>
-</ds:datastoreItem>
-</file>
-
-<file path=customXml/itemProps4.xml><?xml version="1.0" encoding="utf-8"?>
 <ds:datastoreItem xmlns:ds="http://schemas.openxmlformats.org/officeDocument/2006/customXml" ds:itemID="{6B483272-BB1A-4A0C-8602-152493755C34}">
   <ds:schemaRefs>
     <ds:schemaRef ds:uri="http://schemas.microsoft.com/office/2006/metadata/contentType"/>
@@ -8777,4 +9630,31 @@
     <ds:schemaRef ds:uri="http://schemas.microsoft.com/internal/obd"/>
   </ds:schemaRefs>
 </ds:datastoreItem>
+</file>
+
+<file path=customXml/itemProps3.xml><?xml version="1.0" encoding="utf-8"?>
+<ds:datastoreItem xmlns:ds="http://schemas.openxmlformats.org/officeDocument/2006/customXml" ds:itemID="{4B823631-F3B9-444B-BFA9-343B4967A39F}">
+  <ds:schemaRefs>
+    <ds:schemaRef ds:uri="Microsoft.SharePoint.Taxonomy.ContentTypeSync"/>
+  </ds:schemaRefs>
+</ds:datastoreItem>
+</file>
+
+<file path=customXml/itemProps4.xml><?xml version="1.0" encoding="utf-8"?>
+<ds:datastoreItem xmlns:ds="http://schemas.openxmlformats.org/officeDocument/2006/customXml" ds:itemID="{F990F116-B58F-4255-B05B-DA3808E0E5C6}">
+  <ds:schemaRefs>
+    <ds:schemaRef ds:uri="http://purl.org/dc/dcmitype/"/>
+    <ds:schemaRef ds:uri="http://schemas.openxmlformats.org/package/2006/metadata/core-properties"/>
+    <ds:schemaRef ds:uri="http://purl.org/dc/elements/1.1/"/>
+    <ds:schemaRef ds:uri="http://schemas.microsoft.com/office/2006/metadata/properties"/>
+    <ds:schemaRef ds:uri="http://schemas.microsoft.com/office/2006/documentManagement/types"/>
+    <ds:schemaRef ds:uri="http://schemas.microsoft.com/sharepoint/v3"/>
+    <ds:schemaRef ds:uri="http://schemas.microsoft.com/office/infopath/2007/PartnerControls"/>
+    <ds:schemaRef ds:uri="http://purl.org/dc/terms/"/>
+    <ds:schemaRef ds:uri="2f90a3b6-08c8-4148-8fff-0427b40d8fc9"/>
+    <ds:schemaRef ds:uri="http://schemas.microsoft.com/sharepoint/v3/fields"/>
+    <ds:schemaRef ds:uri="EB693DEA-2256-4DD9-8FF3-783287AC6516"/>
+    <ds:schemaRef ds:uri="http://www.w3.org/XML/1998/namespace"/>
+  </ds:schemaRefs>
+</ds:datastoreItem>
 </file>
--- a/MSCommunity_Uvod_u_MonoGame.pptx
+++ b/MSCommunity_Uvod_u_MonoGame.pptx
@@ -6,10 +6,10 @@
     <p:sldMasterId id="2147483756" r:id="rId6"/>
   </p:sldMasterIdLst>
   <p:notesMasterIdLst>
-    <p:notesMasterId r:id="rId20"/>
+    <p:notesMasterId r:id="rId19"/>
   </p:notesMasterIdLst>
   <p:handoutMasterIdLst>
-    <p:handoutMasterId r:id="rId21"/>
+    <p:handoutMasterId r:id="rId20"/>
   </p:handoutMasterIdLst>
   <p:sldIdLst>
     <p:sldId id="331" r:id="rId7"/>
@@ -22,9 +22,8 @@
     <p:sldId id="400" r:id="rId14"/>
     <p:sldId id="401" r:id="rId15"/>
     <p:sldId id="390" r:id="rId16"/>
-    <p:sldId id="399" r:id="rId17"/>
-    <p:sldId id="397" r:id="rId18"/>
-    <p:sldId id="378" r:id="rId19"/>
+    <p:sldId id="397" r:id="rId17"/>
+    <p:sldId id="378" r:id="rId18"/>
   </p:sldIdLst>
   <p:sldSz cx="12188825" cy="6858000"/>
   <p:notesSz cx="6858000" cy="9144000"/>
@@ -142,7 +141,6 @@
             <p14:sldId id="400"/>
             <p14:sldId id="401"/>
             <p14:sldId id="390"/>
-            <p14:sldId id="399"/>
             <p14:sldId id="397"/>
             <p14:sldId id="378"/>
           </p14:sldIdLst>
@@ -342,7 +340,7 @@
                 <a:latin typeface="Segoe UI" pitchFamily="34" charset="0"/>
               </a:rPr>
               <a:pPr/>
-              <a:t>4/10/2018</a:t>
+              <a:t>4/11/2018</a:t>
             </a:fld>
             <a:endParaRPr lang="en-US" dirty="0">
               <a:latin typeface="Segoe UI" pitchFamily="34" charset="0"/>
@@ -629,7 +627,7 @@
             <a:fld id="{7C3FBCD4-166E-446F-AF18-7D4A0CF9AEF6}" type="datetimeFigureOut">
               <a:rPr lang="en-US" smtClean="0"/>
               <a:pPr/>
-              <a:t>4/10/2018</a:t>
+              <a:t>4/11/2018</a:t>
             </a:fld>
             <a:endParaRPr lang="en-US" dirty="0"/>
           </a:p>
@@ -1184,7 +1182,7 @@
             <a:fld id="{81331B57-0BE5-4F82-AA58-76F53EFF3ADA}" type="datetime8">
               <a:rPr lang="en-US" smtClean="0"/>
               <a:pPr/>
-              <a:t>4/10/2018 10:22 PM</a:t>
+              <a:t>4/11/2018 9:26 PM</a:t>
             </a:fld>
             <a:endParaRPr lang="en-US"/>
           </a:p>
@@ -1208,7 +1206,7 @@
             <a:fld id="{EC87E0CF-87F6-4B58-B8B8-DCAB2DAAF3CA}" type="slidenum">
               <a:rPr lang="en-US" smtClean="0"/>
               <a:pPr/>
-              <a:t>13</a:t>
+              <a:t>12</a:t>
             </a:fld>
             <a:endParaRPr lang="en-US" dirty="0"/>
           </a:p>
@@ -4963,174 +4961,6 @@
         <p:spPr>
           <a:xfrm>
             <a:off x="519112" y="228600"/>
-            <a:ext cx="11149013" cy="2991588"/>
-          </a:xfrm>
-        </p:spPr>
-        <p:txBody>
-          <a:bodyPr/>
-          <a:lstStyle/>
-          <a:p>
-            <a:r>
-              <a:rPr lang="hr-HR" spc="-100" dirty="0">
-                <a:solidFill>
-                  <a:srgbClr val="E84B14"/>
-                </a:solidFill>
-                <a:latin typeface="+mj-lt"/>
-              </a:rPr>
-              <a:t>MonoGame vs Unity</a:t>
-            </a:r>
-            <a:br>
-              <a:rPr lang="hr-HR" spc="-100" dirty="0">
-                <a:solidFill>
-                  <a:srgbClr val="E84B14"/>
-                </a:solidFill>
-                <a:latin typeface="+mj-lt"/>
-              </a:rPr>
-            </a:br>
-            <a:br>
-              <a:rPr lang="hr-HR" spc="-100" dirty="0">
-                <a:solidFill>
-                  <a:srgbClr val="E84B14"/>
-                </a:solidFill>
-                <a:latin typeface="+mj-lt"/>
-              </a:rPr>
-            </a:br>
-            <a:br>
-              <a:rPr lang="hr-HR" spc="-100" dirty="0">
-                <a:solidFill>
-                  <a:srgbClr val="E84B14"/>
-                </a:solidFill>
-                <a:latin typeface="+mj-lt"/>
-              </a:rPr>
-            </a:br>
-            <a:endParaRPr lang="en-US" spc="-100" dirty="0">
-              <a:solidFill>
-                <a:srgbClr val="E84B14"/>
-              </a:solidFill>
-              <a:latin typeface="+mj-lt"/>
-            </a:endParaRPr>
-          </a:p>
-        </p:txBody>
-      </p:sp>
-      <p:sp>
-        <p:nvSpPr>
-          <p:cNvPr id="5" name="Text Placeholder 2"/>
-          <p:cNvSpPr>
-            <a:spLocks noGrp="1"/>
-          </p:cNvSpPr>
-          <p:nvPr>
-            <p:ph idx="1"/>
-          </p:nvPr>
-        </p:nvSpPr>
-        <p:spPr>
-          <a:xfrm>
-            <a:off x="519112" y="1447799"/>
-            <a:ext cx="11149013" cy="2308324"/>
-          </a:xfrm>
-        </p:spPr>
-        <p:txBody>
-          <a:bodyPr/>
-          <a:lstStyle/>
-          <a:p>
-            <a:pPr marL="346075" lvl="1" indent="0">
-              <a:buNone/>
-            </a:pPr>
-            <a:endParaRPr lang="hr-HR" dirty="0"/>
-          </a:p>
-          <a:p>
-            <a:pPr marL="346075" lvl="1" indent="0">
-              <a:buNone/>
-            </a:pPr>
-            <a:endParaRPr lang="hr-HR" dirty="0"/>
-          </a:p>
-          <a:p>
-            <a:pPr marL="346075" lvl="1" indent="0">
-              <a:buNone/>
-            </a:pPr>
-            <a:endParaRPr lang="hr-HR" dirty="0"/>
-          </a:p>
-          <a:p>
-            <a:pPr lvl="1"/>
-            <a:r>
-              <a:rPr lang="hr-HR" dirty="0"/>
-              <a:t>Bolje je koristi for loop, umjesto foreach loopa ukoliko GetEnumerator ne vraća struct</a:t>
-            </a:r>
-          </a:p>
-          <a:p>
-            <a:pPr marL="346075" lvl="1" indent="0">
-              <a:buNone/>
-            </a:pPr>
-            <a:endParaRPr lang="hr-HR" dirty="0"/>
-          </a:p>
-          <a:p>
-            <a:pPr marL="346075" lvl="1" indent="0">
-              <a:buNone/>
-            </a:pPr>
-            <a:endParaRPr lang="hr-HR" dirty="0"/>
-          </a:p>
-          <a:p>
-            <a:pPr marL="346075" lvl="1" indent="0">
-              <a:buNone/>
-            </a:pPr>
-            <a:endParaRPr lang="hr-HR" dirty="0"/>
-          </a:p>
-        </p:txBody>
-      </p:sp>
-    </p:spTree>
-    <p:extLst>
-      <p:ext uri="{BB962C8B-B14F-4D97-AF65-F5344CB8AC3E}">
-        <p14:creationId xmlns:p14="http://schemas.microsoft.com/office/powerpoint/2010/main" val="820004164"/>
-      </p:ext>
-    </p:extLst>
-  </p:cSld>
-  <p:clrMapOvr>
-    <a:masterClrMapping/>
-  </p:clrMapOvr>
-  <mc:AlternateContent xmlns:mc="http://schemas.openxmlformats.org/markup-compatibility/2006" xmlns:p14="http://schemas.microsoft.com/office/powerpoint/2010/main">
-    <mc:Choice Requires="p14">
-      <p:transition spd="slow" p14:dur="1500">
-        <p:push/>
-      </p:transition>
-    </mc:Choice>
-    <mc:Fallback xmlns="">
-      <p:transition spd="slow">
-        <p:push/>
-      </p:transition>
-    </mc:Fallback>
-  </mc:AlternateContent>
-</p:sld>
-</file>
-
-<file path=ppt/slides/slide12.xml><?xml version="1.0" encoding="utf-8"?>
-<p:sld xmlns:a="http://schemas.openxmlformats.org/drawingml/2006/main" xmlns:r="http://schemas.openxmlformats.org/officeDocument/2006/relationships" xmlns:p="http://schemas.openxmlformats.org/presentationml/2006/main" show="0">
-  <p:cSld>
-    <p:spTree>
-      <p:nvGrpSpPr>
-        <p:cNvPr id="1" name=""/>
-        <p:cNvGrpSpPr/>
-        <p:nvPr/>
-      </p:nvGrpSpPr>
-      <p:grpSpPr>
-        <a:xfrm>
-          <a:off x="0" y="0"/>
-          <a:ext cx="0" cy="0"/>
-          <a:chOff x="0" y="0"/>
-          <a:chExt cx="0" cy="0"/>
-        </a:xfrm>
-      </p:grpSpPr>
-      <p:sp>
-        <p:nvSpPr>
-          <p:cNvPr id="2" name="Title 1"/>
-          <p:cNvSpPr>
-            <a:spLocks noGrp="1"/>
-          </p:cNvSpPr>
-          <p:nvPr>
-            <p:ph type="title"/>
-          </p:nvPr>
-        </p:nvSpPr>
-        <p:spPr>
-          <a:xfrm>
-            <a:off x="519112" y="228600"/>
             <a:ext cx="11149013" cy="1495794"/>
           </a:xfrm>
         </p:spPr>
@@ -5300,7 +5130,7 @@
 </p:sld>
 </file>
 
-<file path=ppt/slides/slide13.xml><?xml version="1.0" encoding="utf-8"?>
+<file path=ppt/slides/slide12.xml><?xml version="1.0" encoding="utf-8"?>
 <p:sld xmlns:a="http://schemas.openxmlformats.org/drawingml/2006/main" xmlns:r="http://schemas.openxmlformats.org/officeDocument/2006/relationships" xmlns:p="http://schemas.openxmlformats.org/presentationml/2006/main">
   <p:cSld>
     <p:spTree>
@@ -8625,15 +8455,6 @@
 </file>
 
 <file path=customXml/item1.xml><?xml version="1.0" encoding="utf-8"?>
-<?mso-contentType ?>
-<FormTemplates xmlns="http://schemas.microsoft.com/sharepoint/v3/contenttype/forms">
-  <Display>DocumentLibraryForm</Display>
-  <Edit>DocumentLibraryForm</Edit>
-  <New>DocumentLibraryForm</New>
-</FormTemplates>
-</file>
-
-<file path=customXml/item2.xml><?xml version="1.0" encoding="utf-8"?>
 <ct:contentTypeSchema xmlns:ct="http://schemas.microsoft.com/office/2006/metadata/contentType" xmlns:ma="http://schemas.microsoft.com/office/2006/metadata/properties/metaAttributes" ct:_="" ma:_="" ma:contentTypeName="MASS MediaBank Image" ma:contentTypeID="0x0101009148F5A04DDD49CBA7127AADA5FB792B00AADE34325A8B49CDA8BB4DB53328F2140042A8F7EFA3D8428BA83C1DD618D41277008B7D58F6637A6449A868D36ABEDD5D7D" ma:contentTypeVersion="1" ma:contentTypeDescription="Upload an image." ma:contentTypeScope="" ma:versionID="cf5d87ef76ae645aeecfd1524f32f789">
   <xsd:schema xmlns:xsd="http://www.w3.org/2001/XMLSchema" xmlns:xs="http://www.w3.org/2001/XMLSchema" xmlns:p="http://schemas.microsoft.com/office/2006/metadata/properties" xmlns:ns1="http://schemas.microsoft.com/sharepoint/v3" xmlns:ns2="EB693DEA-2256-4DD9-8FF3-783287AC6516" xmlns:ns3="http://schemas.microsoft.com/sharepoint/v3/fields" xmlns:ns4="2f90a3b6-08c8-4148-8fff-0427b40d8fc9" targetNamespace="http://schemas.microsoft.com/office/2006/metadata/properties" ma:root="true" ma:fieldsID="659fa2edc7c82f120babd68af08693e1" ns1:_="" ns2:_="" ns3:_="" ns4:_="">
     <xsd:import namespace="http://schemas.microsoft.com/sharepoint/v3"/>
@@ -9420,12 +9241,16 @@
 </ct:contentTypeSchema>
 </file>
 
-<file path=customXml/item3.xml><?xml version="1.0" encoding="utf-8"?>
+<file path=customXml/item2.xml><?xml version="1.0" encoding="utf-8"?>
 <?mso-contentType ?>
-<SharedContentType xmlns="Microsoft.SharePoint.Taxonomy.ContentTypeSync" SourceId="e5351508-46ca-4454-b07c-bc767568d5f1" ContentTypeId="0x0101009148F5A04DDD49CBA7127AADA5FB792B00AADE34325A8B49CDA8BB4DB53328F2140042A8F7EFA3D8428BA83C1DD618D41277" PreviousValue="false"/>
+<FormTemplates xmlns="http://schemas.microsoft.com/sharepoint/v3/contenttype/forms">
+  <Display>DocumentLibraryForm</Display>
+  <Edit>DocumentLibraryForm</Edit>
+  <New>DocumentLibraryForm</New>
+</FormTemplates>
 </file>
 
-<file path=customXml/item4.xml><?xml version="1.0" encoding="utf-8"?>
+<file path=customXml/item3.xml><?xml version="1.0" encoding="utf-8"?>
 <p:properties xmlns:p="http://schemas.microsoft.com/office/2006/metadata/properties" xmlns:xsi="http://www.w3.org/2001/XMLSchema-instance" xmlns:pc="http://schemas.microsoft.com/office/infopath/2007/PartnerControls">
   <documentManagement>
     <TaxCatchAll xmlns="2f90a3b6-08c8-4148-8fff-0427b40d8fc9">
@@ -9603,15 +9428,12 @@
 </p:properties>
 </file>
 
-<file path=customXml/itemProps1.xml><?xml version="1.0" encoding="utf-8"?>
-<ds:datastoreItem xmlns:ds="http://schemas.openxmlformats.org/officeDocument/2006/customXml" ds:itemID="{758FDAC0-319D-4A54-8D8E-1D42CB1F8004}">
-  <ds:schemaRefs>
-    <ds:schemaRef ds:uri="http://schemas.microsoft.com/sharepoint/v3/contenttype/forms"/>
-  </ds:schemaRefs>
-</ds:datastoreItem>
+<file path=customXml/item4.xml><?xml version="1.0" encoding="utf-8"?>
+<?mso-contentType ?>
+<SharedContentType xmlns="Microsoft.SharePoint.Taxonomy.ContentTypeSync" SourceId="e5351508-46ca-4454-b07c-bc767568d5f1" ContentTypeId="0x0101009148F5A04DDD49CBA7127AADA5FB792B00AADE34325A8B49CDA8BB4DB53328F2140042A8F7EFA3D8428BA83C1DD618D41277" PreviousValue="false"/>
 </file>
 
-<file path=customXml/itemProps2.xml><?xml version="1.0" encoding="utf-8"?>
+<file path=customXml/itemProps1.xml><?xml version="1.0" encoding="utf-8"?>
 <ds:datastoreItem xmlns:ds="http://schemas.openxmlformats.org/officeDocument/2006/customXml" ds:itemID="{6B483272-BB1A-4A0C-8602-152493755C34}">
   <ds:schemaRefs>
     <ds:schemaRef ds:uri="http://schemas.microsoft.com/office/2006/metadata/contentType"/>
@@ -9632,15 +9454,15 @@
 </ds:datastoreItem>
 </file>
 
-<file path=customXml/itemProps3.xml><?xml version="1.0" encoding="utf-8"?>
-<ds:datastoreItem xmlns:ds="http://schemas.openxmlformats.org/officeDocument/2006/customXml" ds:itemID="{4B823631-F3B9-444B-BFA9-343B4967A39F}">
+<file path=customXml/itemProps2.xml><?xml version="1.0" encoding="utf-8"?>
+<ds:datastoreItem xmlns:ds="http://schemas.openxmlformats.org/officeDocument/2006/customXml" ds:itemID="{758FDAC0-319D-4A54-8D8E-1D42CB1F8004}">
   <ds:schemaRefs>
-    <ds:schemaRef ds:uri="Microsoft.SharePoint.Taxonomy.ContentTypeSync"/>
+    <ds:schemaRef ds:uri="http://schemas.microsoft.com/sharepoint/v3/contenttype/forms"/>
   </ds:schemaRefs>
 </ds:datastoreItem>
 </file>
 
-<file path=customXml/itemProps4.xml><?xml version="1.0" encoding="utf-8"?>
+<file path=customXml/itemProps3.xml><?xml version="1.0" encoding="utf-8"?>
 <ds:datastoreItem xmlns:ds="http://schemas.openxmlformats.org/officeDocument/2006/customXml" ds:itemID="{F990F116-B58F-4255-B05B-DA3808E0E5C6}">
   <ds:schemaRefs>
     <ds:schemaRef ds:uri="http://purl.org/dc/dcmitype/"/>
@@ -9657,4 +9479,12 @@
     <ds:schemaRef ds:uri="http://www.w3.org/XML/1998/namespace"/>
   </ds:schemaRefs>
 </ds:datastoreItem>
+</file>
+
+<file path=customXml/itemProps4.xml><?xml version="1.0" encoding="utf-8"?>
+<ds:datastoreItem xmlns:ds="http://schemas.openxmlformats.org/officeDocument/2006/customXml" ds:itemID="{4B823631-F3B9-444B-BFA9-343B4967A39F}">
+  <ds:schemaRefs>
+    <ds:schemaRef ds:uri="Microsoft.SharePoint.Taxonomy.ContentTypeSync"/>
+  </ds:schemaRefs>
+</ds:datastoreItem>
 </file>